--- a/figure/_src/Taylor.pptx
+++ b/figure/_src/Taylor.pptx
@@ -2,18 +2,18 @@
 <file path=ppt/presentation.xml><?xml version="1.0" encoding="utf-8"?>
 <p:presentation xmlns:a="http://schemas.openxmlformats.org/drawingml/2006/main" xmlns:r="http://schemas.openxmlformats.org/officeDocument/2006/relationships" xmlns:p="http://schemas.openxmlformats.org/presentationml/2006/main" saveSubsetFonts="1">
   <p:sldMasterIdLst>
-    <p:sldMasterId id="2147483648" r:id="rId1"/>
+    <p:sldMasterId id="2147483708" r:id="rId1"/>
   </p:sldMasterIdLst>
   <p:sldIdLst>
     <p:sldId id="257" r:id="rId2"/>
   </p:sldIdLst>
-  <p:sldSz cx="12192000" cy="6858000"/>
+  <p:sldSz cx="8951913" cy="3619500"/>
   <p:notesSz cx="6858000" cy="9144000"/>
   <p:defaultTextStyle>
     <a:defPPr>
-      <a:defRPr lang="zh-TW"/>
+      <a:defRPr lang="en-US"/>
     </a:defPPr>
-    <a:lvl1pPr marL="0" algn="l" defTabSz="914400" rtl="0" eaLnBrk="1" latinLnBrk="0" hangingPunct="1">
+    <a:lvl1pPr marL="0" algn="l" defTabSz="457200" rtl="0" eaLnBrk="1" latinLnBrk="0" hangingPunct="1">
       <a:defRPr sz="1800" kern="1200">
         <a:solidFill>
           <a:schemeClr val="tx1"/>
@@ -23,7 +23,7 @@
         <a:cs typeface="+mn-cs"/>
       </a:defRPr>
     </a:lvl1pPr>
-    <a:lvl2pPr marL="457200" algn="l" defTabSz="914400" rtl="0" eaLnBrk="1" latinLnBrk="0" hangingPunct="1">
+    <a:lvl2pPr marL="457200" algn="l" defTabSz="457200" rtl="0" eaLnBrk="1" latinLnBrk="0" hangingPunct="1">
       <a:defRPr sz="1800" kern="1200">
         <a:solidFill>
           <a:schemeClr val="tx1"/>
@@ -33,7 +33,7 @@
         <a:cs typeface="+mn-cs"/>
       </a:defRPr>
     </a:lvl2pPr>
-    <a:lvl3pPr marL="914400" algn="l" defTabSz="914400" rtl="0" eaLnBrk="1" latinLnBrk="0" hangingPunct="1">
+    <a:lvl3pPr marL="914400" algn="l" defTabSz="457200" rtl="0" eaLnBrk="1" latinLnBrk="0" hangingPunct="1">
       <a:defRPr sz="1800" kern="1200">
         <a:solidFill>
           <a:schemeClr val="tx1"/>
@@ -43,7 +43,7 @@
         <a:cs typeface="+mn-cs"/>
       </a:defRPr>
     </a:lvl3pPr>
-    <a:lvl4pPr marL="1371600" algn="l" defTabSz="914400" rtl="0" eaLnBrk="1" latinLnBrk="0" hangingPunct="1">
+    <a:lvl4pPr marL="1371600" algn="l" defTabSz="457200" rtl="0" eaLnBrk="1" latinLnBrk="0" hangingPunct="1">
       <a:defRPr sz="1800" kern="1200">
         <a:solidFill>
           <a:schemeClr val="tx1"/>
@@ -53,7 +53,7 @@
         <a:cs typeface="+mn-cs"/>
       </a:defRPr>
     </a:lvl4pPr>
-    <a:lvl5pPr marL="1828800" algn="l" defTabSz="914400" rtl="0" eaLnBrk="1" latinLnBrk="0" hangingPunct="1">
+    <a:lvl5pPr marL="1828800" algn="l" defTabSz="457200" rtl="0" eaLnBrk="1" latinLnBrk="0" hangingPunct="1">
       <a:defRPr sz="1800" kern="1200">
         <a:solidFill>
           <a:schemeClr val="tx1"/>
@@ -63,7 +63,7 @@
         <a:cs typeface="+mn-cs"/>
       </a:defRPr>
     </a:lvl5pPr>
-    <a:lvl6pPr marL="2286000" algn="l" defTabSz="914400" rtl="0" eaLnBrk="1" latinLnBrk="0" hangingPunct="1">
+    <a:lvl6pPr marL="2286000" algn="l" defTabSz="457200" rtl="0" eaLnBrk="1" latinLnBrk="0" hangingPunct="1">
       <a:defRPr sz="1800" kern="1200">
         <a:solidFill>
           <a:schemeClr val="tx1"/>
@@ -73,7 +73,7 @@
         <a:cs typeface="+mn-cs"/>
       </a:defRPr>
     </a:lvl6pPr>
-    <a:lvl7pPr marL="2743200" algn="l" defTabSz="914400" rtl="0" eaLnBrk="1" latinLnBrk="0" hangingPunct="1">
+    <a:lvl7pPr marL="2743200" algn="l" defTabSz="457200" rtl="0" eaLnBrk="1" latinLnBrk="0" hangingPunct="1">
       <a:defRPr sz="1800" kern="1200">
         <a:solidFill>
           <a:schemeClr val="tx1"/>
@@ -83,7 +83,7 @@
         <a:cs typeface="+mn-cs"/>
       </a:defRPr>
     </a:lvl7pPr>
-    <a:lvl8pPr marL="3200400" algn="l" defTabSz="914400" rtl="0" eaLnBrk="1" latinLnBrk="0" hangingPunct="1">
+    <a:lvl8pPr marL="3200400" algn="l" defTabSz="457200" rtl="0" eaLnBrk="1" latinLnBrk="0" hangingPunct="1">
       <a:defRPr sz="1800" kern="1200">
         <a:solidFill>
           <a:schemeClr val="tx1"/>
@@ -93,7 +93,7 @@
         <a:cs typeface="+mn-cs"/>
       </a:defRPr>
     </a:lvl8pPr>
-    <a:lvl9pPr marL="3657600" algn="l" defTabSz="914400" rtl="0" eaLnBrk="1" latinLnBrk="0" hangingPunct="1">
+    <a:lvl9pPr marL="3657600" algn="l" defTabSz="457200" rtl="0" eaLnBrk="1" latinLnBrk="0" hangingPunct="1">
       <a:defRPr sz="1800" kern="1200">
         <a:solidFill>
           <a:schemeClr val="tx1"/>
@@ -104,7 +104,395 @@
       </a:defRPr>
     </a:lvl9pPr>
   </p:defaultTextStyle>
+  <p:extLst>
+    <p:ext uri="{EFAFB233-063F-42B5-8137-9DF3F51BA10A}">
+      <p15:sldGuideLst xmlns:p15="http://schemas.microsoft.com/office/powerpoint/2012/main"/>
+    </p:ext>
+  </p:extLst>
 </p:presentation>
+</file>
+
+<file path=ppt/revisionInfo.xml><?xml version="1.0" encoding="utf-8"?>
+<p1510:revInfo xmlns:a="http://schemas.openxmlformats.org/drawingml/2006/main" xmlns:r="http://schemas.openxmlformats.org/officeDocument/2006/relationships" xmlns:p1510="http://schemas.microsoft.com/office/powerpoint/2015/10/main">
+  <p1510:revLst>
+    <p1510:client id="{90410353-94BC-4849-987B-ECE5BDDEC85D}" v="9" dt="2025-11-07T05:04:51.409"/>
+  </p1510:revLst>
+</p1510:revInfo>
+</file>
+
+<file path=ppt/changesInfos/changesInfo1.xml><?xml version="1.0" encoding="utf-8"?>
+<pc:chgInfo xmlns:a="http://schemas.openxmlformats.org/drawingml/2006/main" xmlns:r="http://schemas.openxmlformats.org/officeDocument/2006/relationships" xmlns:ac="http://schemas.microsoft.com/office/drawing/2013/main/command" xmlns:pc="http://schemas.microsoft.com/office/powerpoint/2013/main/command">
+  <pc:docChgLst>
+    <pc:chgData name="帛佑 閻" userId="7ea761d699caffc4" providerId="LiveId" clId="{93A1488A-C1F0-4F25-B301-9D39A3D91BB4}"/>
+    <pc:docChg chg="modSld modMainMaster">
+      <pc:chgData name="帛佑 閻" userId="7ea761d699caffc4" providerId="LiveId" clId="{93A1488A-C1F0-4F25-B301-9D39A3D91BB4}" dt="2025-11-07T06:36:41.779" v="67" actId="20577"/>
+      <pc:docMkLst>
+        <pc:docMk/>
+      </pc:docMkLst>
+      <pc:sldChg chg="modSp mod">
+        <pc:chgData name="帛佑 閻" userId="7ea761d699caffc4" providerId="LiveId" clId="{93A1488A-C1F0-4F25-B301-9D39A3D91BB4}" dt="2025-11-07T06:36:41.779" v="67" actId="20577"/>
+        <pc:sldMkLst>
+          <pc:docMk/>
+          <pc:sldMk cId="1052271283" sldId="257"/>
+        </pc:sldMkLst>
+        <pc:spChg chg="mod">
+          <ac:chgData name="帛佑 閻" userId="7ea761d699caffc4" providerId="LiveId" clId="{93A1488A-C1F0-4F25-B301-9D39A3D91BB4}" dt="2025-11-07T06:36:38.358" v="62" actId="20577"/>
+          <ac:spMkLst>
+            <pc:docMk/>
+            <pc:sldMk cId="1052271283" sldId="257"/>
+            <ac:spMk id="4" creationId="{B6DD95E1-2846-B863-1745-EBCE450C21BB}"/>
+          </ac:spMkLst>
+        </pc:spChg>
+        <pc:spChg chg="mod">
+          <ac:chgData name="帛佑 閻" userId="7ea761d699caffc4" providerId="LiveId" clId="{93A1488A-C1F0-4F25-B301-9D39A3D91BB4}" dt="2025-11-07T06:36:41.779" v="67" actId="20577"/>
+          <ac:spMkLst>
+            <pc:docMk/>
+            <pc:sldMk cId="1052271283" sldId="257"/>
+            <ac:spMk id="5" creationId="{33E80EEA-50BD-89E0-6B48-1D70A4DACF62}"/>
+          </ac:spMkLst>
+        </pc:spChg>
+        <pc:spChg chg="mod">
+          <ac:chgData name="帛佑 閻" userId="7ea761d699caffc4" providerId="LiveId" clId="{93A1488A-C1F0-4F25-B301-9D39A3D91BB4}" dt="2025-11-07T05:04:45.782" v="54" actId="1037"/>
+          <ac:spMkLst>
+            <pc:docMk/>
+            <pc:sldMk cId="1052271283" sldId="257"/>
+            <ac:spMk id="6" creationId="{0D74B1B1-011C-A39B-0619-128C3976E4BF}"/>
+          </ac:spMkLst>
+        </pc:spChg>
+        <pc:spChg chg="mod">
+          <ac:chgData name="帛佑 閻" userId="7ea761d699caffc4" providerId="LiveId" clId="{93A1488A-C1F0-4F25-B301-9D39A3D91BB4}" dt="2025-11-07T05:04:45.782" v="54" actId="1037"/>
+          <ac:spMkLst>
+            <pc:docMk/>
+            <pc:sldMk cId="1052271283" sldId="257"/>
+            <ac:spMk id="8" creationId="{BD0F9A54-00CC-A098-E2A8-589610187C26}"/>
+          </ac:spMkLst>
+        </pc:spChg>
+        <pc:spChg chg="mod">
+          <ac:chgData name="帛佑 閻" userId="7ea761d699caffc4" providerId="LiveId" clId="{93A1488A-C1F0-4F25-B301-9D39A3D91BB4}" dt="2025-11-07T05:04:45.782" v="54" actId="1037"/>
+          <ac:spMkLst>
+            <pc:docMk/>
+            <pc:sldMk cId="1052271283" sldId="257"/>
+            <ac:spMk id="19" creationId="{DDBCCA6D-9A07-FFE7-88BC-CF1AA5EDE541}"/>
+          </ac:spMkLst>
+        </pc:spChg>
+        <pc:spChg chg="mod">
+          <ac:chgData name="帛佑 閻" userId="7ea761d699caffc4" providerId="LiveId" clId="{93A1488A-C1F0-4F25-B301-9D39A3D91BB4}" dt="2025-11-07T05:04:45.782" v="54" actId="1037"/>
+          <ac:spMkLst>
+            <pc:docMk/>
+            <pc:sldMk cId="1052271283" sldId="257"/>
+            <ac:spMk id="23" creationId="{16417315-E58D-8245-2387-0D9DB678CE52}"/>
+          </ac:spMkLst>
+        </pc:spChg>
+        <pc:spChg chg="mod">
+          <ac:chgData name="帛佑 閻" userId="7ea761d699caffc4" providerId="LiveId" clId="{93A1488A-C1F0-4F25-B301-9D39A3D91BB4}" dt="2025-11-07T05:04:45.782" v="54" actId="1037"/>
+          <ac:spMkLst>
+            <pc:docMk/>
+            <pc:sldMk cId="1052271283" sldId="257"/>
+            <ac:spMk id="24" creationId="{10A929DC-BACE-BAC8-5BAC-C155428011BA}"/>
+          </ac:spMkLst>
+        </pc:spChg>
+        <pc:cxnChg chg="mod">
+          <ac:chgData name="帛佑 閻" userId="7ea761d699caffc4" providerId="LiveId" clId="{93A1488A-C1F0-4F25-B301-9D39A3D91BB4}" dt="2025-11-07T05:04:45.782" v="54" actId="1037"/>
+          <ac:cxnSpMkLst>
+            <pc:docMk/>
+            <pc:sldMk cId="1052271283" sldId="257"/>
+            <ac:cxnSpMk id="7" creationId="{15754F45-40D0-9AEA-D930-79BC911C5067}"/>
+          </ac:cxnSpMkLst>
+        </pc:cxnChg>
+        <pc:cxnChg chg="mod">
+          <ac:chgData name="帛佑 閻" userId="7ea761d699caffc4" providerId="LiveId" clId="{93A1488A-C1F0-4F25-B301-9D39A3D91BB4}" dt="2025-11-07T05:04:45.782" v="54" actId="1037"/>
+          <ac:cxnSpMkLst>
+            <pc:docMk/>
+            <pc:sldMk cId="1052271283" sldId="257"/>
+            <ac:cxnSpMk id="9" creationId="{89C2CCE7-AA5E-77C7-2E58-150460AD33C3}"/>
+          </ac:cxnSpMkLst>
+        </pc:cxnChg>
+        <pc:cxnChg chg="mod">
+          <ac:chgData name="帛佑 閻" userId="7ea761d699caffc4" providerId="LiveId" clId="{93A1488A-C1F0-4F25-B301-9D39A3D91BB4}" dt="2025-11-07T05:04:45.782" v="54" actId="1037"/>
+          <ac:cxnSpMkLst>
+            <pc:docMk/>
+            <pc:sldMk cId="1052271283" sldId="257"/>
+            <ac:cxnSpMk id="10" creationId="{F3EA145F-2C1F-8E33-A932-0DCC23471B3B}"/>
+          </ac:cxnSpMkLst>
+        </pc:cxnChg>
+      </pc:sldChg>
+      <pc:sldMasterChg chg="modSp modSldLayout">
+        <pc:chgData name="帛佑 閻" userId="7ea761d699caffc4" providerId="LiveId" clId="{93A1488A-C1F0-4F25-B301-9D39A3D91BB4}" dt="2025-11-07T05:04:34.453" v="37"/>
+        <pc:sldMasterMkLst>
+          <pc:docMk/>
+          <pc:sldMasterMk cId="1944531887" sldId="2147483684"/>
+        </pc:sldMasterMkLst>
+        <pc:spChg chg="mod">
+          <ac:chgData name="帛佑 閻" userId="7ea761d699caffc4" providerId="LiveId" clId="{93A1488A-C1F0-4F25-B301-9D39A3D91BB4}" dt="2025-11-07T05:04:34.453" v="37"/>
+          <ac:spMkLst>
+            <pc:docMk/>
+            <pc:sldMasterMk cId="1944531887" sldId="2147483684"/>
+            <ac:spMk id="2" creationId="{00000000-0000-0000-0000-000000000000}"/>
+          </ac:spMkLst>
+        </pc:spChg>
+        <pc:spChg chg="mod">
+          <ac:chgData name="帛佑 閻" userId="7ea761d699caffc4" providerId="LiveId" clId="{93A1488A-C1F0-4F25-B301-9D39A3D91BB4}" dt="2025-11-07T05:04:34.453" v="37"/>
+          <ac:spMkLst>
+            <pc:docMk/>
+            <pc:sldMasterMk cId="1944531887" sldId="2147483684"/>
+            <ac:spMk id="3" creationId="{00000000-0000-0000-0000-000000000000}"/>
+          </ac:spMkLst>
+        </pc:spChg>
+        <pc:spChg chg="mod">
+          <ac:chgData name="帛佑 閻" userId="7ea761d699caffc4" providerId="LiveId" clId="{93A1488A-C1F0-4F25-B301-9D39A3D91BB4}" dt="2025-11-07T05:04:34.453" v="37"/>
+          <ac:spMkLst>
+            <pc:docMk/>
+            <pc:sldMasterMk cId="1944531887" sldId="2147483684"/>
+            <ac:spMk id="4" creationId="{00000000-0000-0000-0000-000000000000}"/>
+          </ac:spMkLst>
+        </pc:spChg>
+        <pc:spChg chg="mod">
+          <ac:chgData name="帛佑 閻" userId="7ea761d699caffc4" providerId="LiveId" clId="{93A1488A-C1F0-4F25-B301-9D39A3D91BB4}" dt="2025-11-07T05:04:34.453" v="37"/>
+          <ac:spMkLst>
+            <pc:docMk/>
+            <pc:sldMasterMk cId="1944531887" sldId="2147483684"/>
+            <ac:spMk id="5" creationId="{00000000-0000-0000-0000-000000000000}"/>
+          </ac:spMkLst>
+        </pc:spChg>
+        <pc:spChg chg="mod">
+          <ac:chgData name="帛佑 閻" userId="7ea761d699caffc4" providerId="LiveId" clId="{93A1488A-C1F0-4F25-B301-9D39A3D91BB4}" dt="2025-11-07T05:04:34.453" v="37"/>
+          <ac:spMkLst>
+            <pc:docMk/>
+            <pc:sldMasterMk cId="1944531887" sldId="2147483684"/>
+            <ac:spMk id="6" creationId="{00000000-0000-0000-0000-000000000000}"/>
+          </ac:spMkLst>
+        </pc:spChg>
+        <pc:sldLayoutChg chg="modSp">
+          <pc:chgData name="帛佑 閻" userId="7ea761d699caffc4" providerId="LiveId" clId="{93A1488A-C1F0-4F25-B301-9D39A3D91BB4}" dt="2025-11-07T05:04:34.453" v="37"/>
+          <pc:sldLayoutMkLst>
+            <pc:docMk/>
+            <pc:sldMasterMk cId="1944531887" sldId="2147483684"/>
+            <pc:sldLayoutMk cId="1890290623" sldId="2147483685"/>
+          </pc:sldLayoutMkLst>
+          <pc:spChg chg="mod">
+            <ac:chgData name="帛佑 閻" userId="7ea761d699caffc4" providerId="LiveId" clId="{93A1488A-C1F0-4F25-B301-9D39A3D91BB4}" dt="2025-11-07T05:04:34.453" v="37"/>
+            <ac:spMkLst>
+              <pc:docMk/>
+              <pc:sldMasterMk cId="1944531887" sldId="2147483684"/>
+              <pc:sldLayoutMk cId="1890290623" sldId="2147483685"/>
+              <ac:spMk id="2" creationId="{00000000-0000-0000-0000-000000000000}"/>
+            </ac:spMkLst>
+          </pc:spChg>
+          <pc:spChg chg="mod">
+            <ac:chgData name="帛佑 閻" userId="7ea761d699caffc4" providerId="LiveId" clId="{93A1488A-C1F0-4F25-B301-9D39A3D91BB4}" dt="2025-11-07T05:04:34.453" v="37"/>
+            <ac:spMkLst>
+              <pc:docMk/>
+              <pc:sldMasterMk cId="1944531887" sldId="2147483684"/>
+              <pc:sldLayoutMk cId="1890290623" sldId="2147483685"/>
+              <ac:spMk id="3" creationId="{00000000-0000-0000-0000-000000000000}"/>
+            </ac:spMkLst>
+          </pc:spChg>
+        </pc:sldLayoutChg>
+        <pc:sldLayoutChg chg="modSp">
+          <pc:chgData name="帛佑 閻" userId="7ea761d699caffc4" providerId="LiveId" clId="{93A1488A-C1F0-4F25-B301-9D39A3D91BB4}" dt="2025-11-07T05:04:34.453" v="37"/>
+          <pc:sldLayoutMkLst>
+            <pc:docMk/>
+            <pc:sldMasterMk cId="1944531887" sldId="2147483684"/>
+            <pc:sldLayoutMk cId="3459571848" sldId="2147483687"/>
+          </pc:sldLayoutMkLst>
+          <pc:spChg chg="mod">
+            <ac:chgData name="帛佑 閻" userId="7ea761d699caffc4" providerId="LiveId" clId="{93A1488A-C1F0-4F25-B301-9D39A3D91BB4}" dt="2025-11-07T05:04:34.453" v="37"/>
+            <ac:spMkLst>
+              <pc:docMk/>
+              <pc:sldMasterMk cId="1944531887" sldId="2147483684"/>
+              <pc:sldLayoutMk cId="3459571848" sldId="2147483687"/>
+              <ac:spMk id="2" creationId="{00000000-0000-0000-0000-000000000000}"/>
+            </ac:spMkLst>
+          </pc:spChg>
+          <pc:spChg chg="mod">
+            <ac:chgData name="帛佑 閻" userId="7ea761d699caffc4" providerId="LiveId" clId="{93A1488A-C1F0-4F25-B301-9D39A3D91BB4}" dt="2025-11-07T05:04:34.453" v="37"/>
+            <ac:spMkLst>
+              <pc:docMk/>
+              <pc:sldMasterMk cId="1944531887" sldId="2147483684"/>
+              <pc:sldLayoutMk cId="3459571848" sldId="2147483687"/>
+              <ac:spMk id="3" creationId="{00000000-0000-0000-0000-000000000000}"/>
+            </ac:spMkLst>
+          </pc:spChg>
+        </pc:sldLayoutChg>
+        <pc:sldLayoutChg chg="modSp">
+          <pc:chgData name="帛佑 閻" userId="7ea761d699caffc4" providerId="LiveId" clId="{93A1488A-C1F0-4F25-B301-9D39A3D91BB4}" dt="2025-11-07T05:04:34.453" v="37"/>
+          <pc:sldLayoutMkLst>
+            <pc:docMk/>
+            <pc:sldMasterMk cId="1944531887" sldId="2147483684"/>
+            <pc:sldLayoutMk cId="1601759704" sldId="2147483688"/>
+          </pc:sldLayoutMkLst>
+          <pc:spChg chg="mod">
+            <ac:chgData name="帛佑 閻" userId="7ea761d699caffc4" providerId="LiveId" clId="{93A1488A-C1F0-4F25-B301-9D39A3D91BB4}" dt="2025-11-07T05:04:34.453" v="37"/>
+            <ac:spMkLst>
+              <pc:docMk/>
+              <pc:sldMasterMk cId="1944531887" sldId="2147483684"/>
+              <pc:sldLayoutMk cId="1601759704" sldId="2147483688"/>
+              <ac:spMk id="3" creationId="{00000000-0000-0000-0000-000000000000}"/>
+            </ac:spMkLst>
+          </pc:spChg>
+          <pc:spChg chg="mod">
+            <ac:chgData name="帛佑 閻" userId="7ea761d699caffc4" providerId="LiveId" clId="{93A1488A-C1F0-4F25-B301-9D39A3D91BB4}" dt="2025-11-07T05:04:34.453" v="37"/>
+            <ac:spMkLst>
+              <pc:docMk/>
+              <pc:sldMasterMk cId="1944531887" sldId="2147483684"/>
+              <pc:sldLayoutMk cId="1601759704" sldId="2147483688"/>
+              <ac:spMk id="4" creationId="{00000000-0000-0000-0000-000000000000}"/>
+            </ac:spMkLst>
+          </pc:spChg>
+        </pc:sldLayoutChg>
+        <pc:sldLayoutChg chg="modSp">
+          <pc:chgData name="帛佑 閻" userId="7ea761d699caffc4" providerId="LiveId" clId="{93A1488A-C1F0-4F25-B301-9D39A3D91BB4}" dt="2025-11-07T05:04:34.453" v="37"/>
+          <pc:sldLayoutMkLst>
+            <pc:docMk/>
+            <pc:sldMasterMk cId="1944531887" sldId="2147483684"/>
+            <pc:sldLayoutMk cId="3669055315" sldId="2147483689"/>
+          </pc:sldLayoutMkLst>
+          <pc:spChg chg="mod">
+            <ac:chgData name="帛佑 閻" userId="7ea761d699caffc4" providerId="LiveId" clId="{93A1488A-C1F0-4F25-B301-9D39A3D91BB4}" dt="2025-11-07T05:04:34.453" v="37"/>
+            <ac:spMkLst>
+              <pc:docMk/>
+              <pc:sldMasterMk cId="1944531887" sldId="2147483684"/>
+              <pc:sldLayoutMk cId="3669055315" sldId="2147483689"/>
+              <ac:spMk id="2" creationId="{00000000-0000-0000-0000-000000000000}"/>
+            </ac:spMkLst>
+          </pc:spChg>
+          <pc:spChg chg="mod">
+            <ac:chgData name="帛佑 閻" userId="7ea761d699caffc4" providerId="LiveId" clId="{93A1488A-C1F0-4F25-B301-9D39A3D91BB4}" dt="2025-11-07T05:04:34.453" v="37"/>
+            <ac:spMkLst>
+              <pc:docMk/>
+              <pc:sldMasterMk cId="1944531887" sldId="2147483684"/>
+              <pc:sldLayoutMk cId="3669055315" sldId="2147483689"/>
+              <ac:spMk id="3" creationId="{00000000-0000-0000-0000-000000000000}"/>
+            </ac:spMkLst>
+          </pc:spChg>
+          <pc:spChg chg="mod">
+            <ac:chgData name="帛佑 閻" userId="7ea761d699caffc4" providerId="LiveId" clId="{93A1488A-C1F0-4F25-B301-9D39A3D91BB4}" dt="2025-11-07T05:04:34.453" v="37"/>
+            <ac:spMkLst>
+              <pc:docMk/>
+              <pc:sldMasterMk cId="1944531887" sldId="2147483684"/>
+              <pc:sldLayoutMk cId="3669055315" sldId="2147483689"/>
+              <ac:spMk id="4" creationId="{00000000-0000-0000-0000-000000000000}"/>
+            </ac:spMkLst>
+          </pc:spChg>
+          <pc:spChg chg="mod">
+            <ac:chgData name="帛佑 閻" userId="7ea761d699caffc4" providerId="LiveId" clId="{93A1488A-C1F0-4F25-B301-9D39A3D91BB4}" dt="2025-11-07T05:04:34.453" v="37"/>
+            <ac:spMkLst>
+              <pc:docMk/>
+              <pc:sldMasterMk cId="1944531887" sldId="2147483684"/>
+              <pc:sldLayoutMk cId="3669055315" sldId="2147483689"/>
+              <ac:spMk id="5" creationId="{00000000-0000-0000-0000-000000000000}"/>
+            </ac:spMkLst>
+          </pc:spChg>
+          <pc:spChg chg="mod">
+            <ac:chgData name="帛佑 閻" userId="7ea761d699caffc4" providerId="LiveId" clId="{93A1488A-C1F0-4F25-B301-9D39A3D91BB4}" dt="2025-11-07T05:04:34.453" v="37"/>
+            <ac:spMkLst>
+              <pc:docMk/>
+              <pc:sldMasterMk cId="1944531887" sldId="2147483684"/>
+              <pc:sldLayoutMk cId="3669055315" sldId="2147483689"/>
+              <ac:spMk id="6" creationId="{00000000-0000-0000-0000-000000000000}"/>
+            </ac:spMkLst>
+          </pc:spChg>
+        </pc:sldLayoutChg>
+        <pc:sldLayoutChg chg="modSp">
+          <pc:chgData name="帛佑 閻" userId="7ea761d699caffc4" providerId="LiveId" clId="{93A1488A-C1F0-4F25-B301-9D39A3D91BB4}" dt="2025-11-07T05:04:34.453" v="37"/>
+          <pc:sldLayoutMkLst>
+            <pc:docMk/>
+            <pc:sldMasterMk cId="1944531887" sldId="2147483684"/>
+            <pc:sldLayoutMk cId="3630294020" sldId="2147483692"/>
+          </pc:sldLayoutMkLst>
+          <pc:spChg chg="mod">
+            <ac:chgData name="帛佑 閻" userId="7ea761d699caffc4" providerId="LiveId" clId="{93A1488A-C1F0-4F25-B301-9D39A3D91BB4}" dt="2025-11-07T05:04:34.453" v="37"/>
+            <ac:spMkLst>
+              <pc:docMk/>
+              <pc:sldMasterMk cId="1944531887" sldId="2147483684"/>
+              <pc:sldLayoutMk cId="3630294020" sldId="2147483692"/>
+              <ac:spMk id="2" creationId="{00000000-0000-0000-0000-000000000000}"/>
+            </ac:spMkLst>
+          </pc:spChg>
+          <pc:spChg chg="mod">
+            <ac:chgData name="帛佑 閻" userId="7ea761d699caffc4" providerId="LiveId" clId="{93A1488A-C1F0-4F25-B301-9D39A3D91BB4}" dt="2025-11-07T05:04:34.453" v="37"/>
+            <ac:spMkLst>
+              <pc:docMk/>
+              <pc:sldMasterMk cId="1944531887" sldId="2147483684"/>
+              <pc:sldLayoutMk cId="3630294020" sldId="2147483692"/>
+              <ac:spMk id="3" creationId="{00000000-0000-0000-0000-000000000000}"/>
+            </ac:spMkLst>
+          </pc:spChg>
+          <pc:spChg chg="mod">
+            <ac:chgData name="帛佑 閻" userId="7ea761d699caffc4" providerId="LiveId" clId="{93A1488A-C1F0-4F25-B301-9D39A3D91BB4}" dt="2025-11-07T05:04:34.453" v="37"/>
+            <ac:spMkLst>
+              <pc:docMk/>
+              <pc:sldMasterMk cId="1944531887" sldId="2147483684"/>
+              <pc:sldLayoutMk cId="3630294020" sldId="2147483692"/>
+              <ac:spMk id="4" creationId="{00000000-0000-0000-0000-000000000000}"/>
+            </ac:spMkLst>
+          </pc:spChg>
+        </pc:sldLayoutChg>
+        <pc:sldLayoutChg chg="modSp">
+          <pc:chgData name="帛佑 閻" userId="7ea761d699caffc4" providerId="LiveId" clId="{93A1488A-C1F0-4F25-B301-9D39A3D91BB4}" dt="2025-11-07T05:04:34.453" v="37"/>
+          <pc:sldLayoutMkLst>
+            <pc:docMk/>
+            <pc:sldMasterMk cId="1944531887" sldId="2147483684"/>
+            <pc:sldLayoutMk cId="4019967191" sldId="2147483693"/>
+          </pc:sldLayoutMkLst>
+          <pc:spChg chg="mod">
+            <ac:chgData name="帛佑 閻" userId="7ea761d699caffc4" providerId="LiveId" clId="{93A1488A-C1F0-4F25-B301-9D39A3D91BB4}" dt="2025-11-07T05:04:34.453" v="37"/>
+            <ac:spMkLst>
+              <pc:docMk/>
+              <pc:sldMasterMk cId="1944531887" sldId="2147483684"/>
+              <pc:sldLayoutMk cId="4019967191" sldId="2147483693"/>
+              <ac:spMk id="2" creationId="{00000000-0000-0000-0000-000000000000}"/>
+            </ac:spMkLst>
+          </pc:spChg>
+          <pc:spChg chg="mod">
+            <ac:chgData name="帛佑 閻" userId="7ea761d699caffc4" providerId="LiveId" clId="{93A1488A-C1F0-4F25-B301-9D39A3D91BB4}" dt="2025-11-07T05:04:34.453" v="37"/>
+            <ac:spMkLst>
+              <pc:docMk/>
+              <pc:sldMasterMk cId="1944531887" sldId="2147483684"/>
+              <pc:sldLayoutMk cId="4019967191" sldId="2147483693"/>
+              <ac:spMk id="3" creationId="{00000000-0000-0000-0000-000000000000}"/>
+            </ac:spMkLst>
+          </pc:spChg>
+          <pc:spChg chg="mod">
+            <ac:chgData name="帛佑 閻" userId="7ea761d699caffc4" providerId="LiveId" clId="{93A1488A-C1F0-4F25-B301-9D39A3D91BB4}" dt="2025-11-07T05:04:34.453" v="37"/>
+            <ac:spMkLst>
+              <pc:docMk/>
+              <pc:sldMasterMk cId="1944531887" sldId="2147483684"/>
+              <pc:sldLayoutMk cId="4019967191" sldId="2147483693"/>
+              <ac:spMk id="4" creationId="{00000000-0000-0000-0000-000000000000}"/>
+            </ac:spMkLst>
+          </pc:spChg>
+        </pc:sldLayoutChg>
+        <pc:sldLayoutChg chg="modSp">
+          <pc:chgData name="帛佑 閻" userId="7ea761d699caffc4" providerId="LiveId" clId="{93A1488A-C1F0-4F25-B301-9D39A3D91BB4}" dt="2025-11-07T05:04:34.453" v="37"/>
+          <pc:sldLayoutMkLst>
+            <pc:docMk/>
+            <pc:sldMasterMk cId="1944531887" sldId="2147483684"/>
+            <pc:sldLayoutMk cId="1761378480" sldId="2147483695"/>
+          </pc:sldLayoutMkLst>
+          <pc:spChg chg="mod">
+            <ac:chgData name="帛佑 閻" userId="7ea761d699caffc4" providerId="LiveId" clId="{93A1488A-C1F0-4F25-B301-9D39A3D91BB4}" dt="2025-11-07T05:04:34.453" v="37"/>
+            <ac:spMkLst>
+              <pc:docMk/>
+              <pc:sldMasterMk cId="1944531887" sldId="2147483684"/>
+              <pc:sldLayoutMk cId="1761378480" sldId="2147483695"/>
+              <ac:spMk id="2" creationId="{00000000-0000-0000-0000-000000000000}"/>
+            </ac:spMkLst>
+          </pc:spChg>
+          <pc:spChg chg="mod">
+            <ac:chgData name="帛佑 閻" userId="7ea761d699caffc4" providerId="LiveId" clId="{93A1488A-C1F0-4F25-B301-9D39A3D91BB4}" dt="2025-11-07T05:04:34.453" v="37"/>
+            <ac:spMkLst>
+              <pc:docMk/>
+              <pc:sldMasterMk cId="1944531887" sldId="2147483684"/>
+              <pc:sldLayoutMk cId="1761378480" sldId="2147483695"/>
+              <ac:spMk id="3" creationId="{00000000-0000-0000-0000-000000000000}"/>
+            </ac:spMkLst>
+          </pc:spChg>
+        </pc:sldLayoutChg>
+      </pc:sldMasterChg>
+    </pc:docChg>
+  </pc:docChgLst>
+</pc:chgInfo>
 </file>
 
 <file path=ppt/slideLayouts/slideLayout1.xml><?xml version="1.0" encoding="utf-8"?>
@@ -126,13 +514,7 @@
       </p:grpSpPr>
       <p:sp>
         <p:nvSpPr>
-          <p:cNvPr id="2" name="標題 1">
-            <a:extLst>
-              <a:ext uri="{FF2B5EF4-FFF2-40B4-BE49-F238E27FC236}">
-                <a16:creationId xmlns:a16="http://schemas.microsoft.com/office/drawing/2014/main" id="{B29AE3FB-3CDA-23EE-4327-B169C128EE68}"/>
-              </a:ext>
-            </a:extLst>
-          </p:cNvPr>
+          <p:cNvPr id="2" name="Title 1"/>
           <p:cNvSpPr>
             <a:spLocks noGrp="1"/>
           </p:cNvSpPr>
@@ -142,15 +524,15 @@
         </p:nvSpPr>
         <p:spPr>
           <a:xfrm>
-            <a:off x="1524000" y="1122363"/>
-            <a:ext cx="9144000" cy="2387600"/>
+            <a:off x="1118989" y="592358"/>
+            <a:ext cx="6713935" cy="1260122"/>
           </a:xfrm>
         </p:spPr>
         <p:txBody>
           <a:bodyPr anchor="b"/>
           <a:lstStyle>
             <a:lvl1pPr algn="ctr">
-              <a:defRPr sz="6000"/>
+              <a:defRPr sz="3167"/>
             </a:lvl1pPr>
           </a:lstStyle>
           <a:p>
@@ -158,18 +540,13 @@
               <a:rPr lang="zh-TW" altLang="en-US"/>
               <a:t>按一下以編輯母片標題樣式</a:t>
             </a:r>
-          </a:p>
-        </p:txBody>
-      </p:sp>
-      <p:sp>
-        <p:nvSpPr>
-          <p:cNvPr id="3" name="副標題 2">
-            <a:extLst>
-              <a:ext uri="{FF2B5EF4-FFF2-40B4-BE49-F238E27FC236}">
-                <a16:creationId xmlns:a16="http://schemas.microsoft.com/office/drawing/2014/main" id="{46BF1DA7-AE3D-FADB-056C-1048DAD359DB}"/>
-              </a:ext>
-            </a:extLst>
-          </p:cNvPr>
+            <a:endParaRPr lang="en-US" dirty="0"/>
+          </a:p>
+        </p:txBody>
+      </p:sp>
+      <p:sp>
+        <p:nvSpPr>
+          <p:cNvPr id="3" name="Subtitle 2"/>
           <p:cNvSpPr>
             <a:spLocks noGrp="1"/>
           </p:cNvSpPr>
@@ -179,8 +556,8 @@
         </p:nvSpPr>
         <p:spPr>
           <a:xfrm>
-            <a:off x="1524000" y="3602038"/>
-            <a:ext cx="9144000" cy="1655762"/>
+            <a:off x="1118989" y="1901076"/>
+            <a:ext cx="6713935" cy="873874"/>
           </a:xfrm>
         </p:spPr>
         <p:txBody>
@@ -188,39 +565,39 @@
           <a:lstStyle>
             <a:lvl1pPr marL="0" indent="0" algn="ctr">
               <a:buNone/>
-              <a:defRPr sz="2400"/>
+              <a:defRPr sz="1267"/>
             </a:lvl1pPr>
-            <a:lvl2pPr marL="457200" indent="0" algn="ctr">
-              <a:buNone/>
-              <a:defRPr sz="2000"/>
+            <a:lvl2pPr marL="241310" indent="0" algn="ctr">
+              <a:buNone/>
+              <a:defRPr sz="1056"/>
             </a:lvl2pPr>
-            <a:lvl3pPr marL="914400" indent="0" algn="ctr">
-              <a:buNone/>
-              <a:defRPr sz="1800"/>
+            <a:lvl3pPr marL="482620" indent="0" algn="ctr">
+              <a:buNone/>
+              <a:defRPr sz="950"/>
             </a:lvl3pPr>
-            <a:lvl4pPr marL="1371600" indent="0" algn="ctr">
-              <a:buNone/>
-              <a:defRPr sz="1600"/>
+            <a:lvl4pPr marL="723930" indent="0" algn="ctr">
+              <a:buNone/>
+              <a:defRPr sz="844"/>
             </a:lvl4pPr>
-            <a:lvl5pPr marL="1828800" indent="0" algn="ctr">
-              <a:buNone/>
-              <a:defRPr sz="1600"/>
+            <a:lvl5pPr marL="965241" indent="0" algn="ctr">
+              <a:buNone/>
+              <a:defRPr sz="844"/>
             </a:lvl5pPr>
-            <a:lvl6pPr marL="2286000" indent="0" algn="ctr">
-              <a:buNone/>
-              <a:defRPr sz="1600"/>
+            <a:lvl6pPr marL="1206551" indent="0" algn="ctr">
+              <a:buNone/>
+              <a:defRPr sz="844"/>
             </a:lvl6pPr>
-            <a:lvl7pPr marL="2743200" indent="0" algn="ctr">
-              <a:buNone/>
-              <a:defRPr sz="1600"/>
+            <a:lvl7pPr marL="1447861" indent="0" algn="ctr">
+              <a:buNone/>
+              <a:defRPr sz="844"/>
             </a:lvl7pPr>
-            <a:lvl8pPr marL="3200400" indent="0" algn="ctr">
-              <a:buNone/>
-              <a:defRPr sz="1600"/>
+            <a:lvl8pPr marL="1689171" indent="0" algn="ctr">
+              <a:buNone/>
+              <a:defRPr sz="844"/>
             </a:lvl8pPr>
-            <a:lvl9pPr marL="3657600" indent="0" algn="ctr">
-              <a:buNone/>
-              <a:defRPr sz="1600"/>
+            <a:lvl9pPr marL="1930481" indent="0" algn="ctr">
+              <a:buNone/>
+              <a:defRPr sz="844"/>
             </a:lvl9pPr>
           </a:lstStyle>
           <a:p>
@@ -228,18 +605,13 @@
               <a:rPr lang="zh-TW" altLang="en-US"/>
               <a:t>按一下以編輯母片子標題樣式</a:t>
             </a:r>
-          </a:p>
-        </p:txBody>
-      </p:sp>
-      <p:sp>
-        <p:nvSpPr>
-          <p:cNvPr id="4" name="日期版面配置區 3">
-            <a:extLst>
-              <a:ext uri="{FF2B5EF4-FFF2-40B4-BE49-F238E27FC236}">
-                <a16:creationId xmlns:a16="http://schemas.microsoft.com/office/drawing/2014/main" id="{7084AC8F-080E-8E3E-EDD1-530F58E32D50}"/>
-              </a:ext>
-            </a:extLst>
-          </p:cNvPr>
+            <a:endParaRPr lang="en-US" dirty="0"/>
+          </a:p>
+        </p:txBody>
+      </p:sp>
+      <p:sp>
+        <p:nvSpPr>
+          <p:cNvPr id="4" name="Date Placeholder 3"/>
           <p:cNvSpPr>
             <a:spLocks noGrp="1"/>
           </p:cNvSpPr>
@@ -254,7 +626,7 @@
           <a:p>
             <a:fld id="{7330623E-D986-4A55-B024-5517C53FB334}" type="datetimeFigureOut">
               <a:rPr lang="zh-TW" altLang="en-US" smtClean="0"/>
-              <a:t>2025/10/28</a:t>
+              <a:t>2025/11/7</a:t>
             </a:fld>
             <a:endParaRPr lang="zh-TW" altLang="en-US"/>
           </a:p>
@@ -262,13 +634,7 @@
       </p:sp>
       <p:sp>
         <p:nvSpPr>
-          <p:cNvPr id="5" name="頁尾版面配置區 4">
-            <a:extLst>
-              <a:ext uri="{FF2B5EF4-FFF2-40B4-BE49-F238E27FC236}">
-                <a16:creationId xmlns:a16="http://schemas.microsoft.com/office/drawing/2014/main" id="{C0E3619D-2E46-D459-9B8C-56A199B296EE}"/>
-              </a:ext>
-            </a:extLst>
-          </p:cNvPr>
+          <p:cNvPr id="5" name="Footer Placeholder 4"/>
           <p:cNvSpPr>
             <a:spLocks noGrp="1"/>
           </p:cNvSpPr>
@@ -287,13 +653,7 @@
       </p:sp>
       <p:sp>
         <p:nvSpPr>
-          <p:cNvPr id="6" name="投影片編號版面配置區 5">
-            <a:extLst>
-              <a:ext uri="{FF2B5EF4-FFF2-40B4-BE49-F238E27FC236}">
-                <a16:creationId xmlns:a16="http://schemas.microsoft.com/office/drawing/2014/main" id="{B12A07A7-2003-2F81-7492-53E3DCB62BB5}"/>
-              </a:ext>
-            </a:extLst>
-          </p:cNvPr>
+          <p:cNvPr id="6" name="Slide Number Placeholder 5"/>
           <p:cNvSpPr>
             <a:spLocks noGrp="1"/>
           </p:cNvSpPr>
@@ -317,7 +677,7 @@
     </p:spTree>
     <p:extLst>
       <p:ext uri="{BB962C8B-B14F-4D97-AF65-F5344CB8AC3E}">
-        <p14:creationId xmlns:p14="http://schemas.microsoft.com/office/powerpoint/2010/main" val="1221284043"/>
+        <p14:creationId xmlns:p14="http://schemas.microsoft.com/office/powerpoint/2010/main" val="2744817021"/>
       </p:ext>
     </p:extLst>
   </p:cSld>
@@ -346,13 +706,7 @@
       </p:grpSpPr>
       <p:sp>
         <p:nvSpPr>
-          <p:cNvPr id="2" name="標題 1">
-            <a:extLst>
-              <a:ext uri="{FF2B5EF4-FFF2-40B4-BE49-F238E27FC236}">
-                <a16:creationId xmlns:a16="http://schemas.microsoft.com/office/drawing/2014/main" id="{B749C93D-CA51-BEE0-BEE7-4A2B77DE83C1}"/>
-              </a:ext>
-            </a:extLst>
-          </p:cNvPr>
+          <p:cNvPr id="2" name="Title 1"/>
           <p:cNvSpPr>
             <a:spLocks noGrp="1"/>
           </p:cNvSpPr>
@@ -369,18 +723,13 @@
               <a:rPr lang="zh-TW" altLang="en-US"/>
               <a:t>按一下以編輯母片標題樣式</a:t>
             </a:r>
-          </a:p>
-        </p:txBody>
-      </p:sp>
-      <p:sp>
-        <p:nvSpPr>
-          <p:cNvPr id="3" name="直排文字版面配置區 2">
-            <a:extLst>
-              <a:ext uri="{FF2B5EF4-FFF2-40B4-BE49-F238E27FC236}">
-                <a16:creationId xmlns:a16="http://schemas.microsoft.com/office/drawing/2014/main" id="{D7395007-DCF2-6867-77DD-D50A34053E11}"/>
-              </a:ext>
-            </a:extLst>
-          </p:cNvPr>
+            <a:endParaRPr lang="en-US" dirty="0"/>
+          </a:p>
+        </p:txBody>
+      </p:sp>
+      <p:sp>
+        <p:nvSpPr>
+          <p:cNvPr id="3" name="Vertical Text Placeholder 2"/>
           <p:cNvSpPr>
             <a:spLocks noGrp="1"/>
           </p:cNvSpPr>
@@ -426,18 +775,13 @@
               <a:rPr lang="zh-TW" altLang="en-US"/>
               <a:t>第五層</a:t>
             </a:r>
-          </a:p>
-        </p:txBody>
-      </p:sp>
-      <p:sp>
-        <p:nvSpPr>
-          <p:cNvPr id="4" name="日期版面配置區 3">
-            <a:extLst>
-              <a:ext uri="{FF2B5EF4-FFF2-40B4-BE49-F238E27FC236}">
-                <a16:creationId xmlns:a16="http://schemas.microsoft.com/office/drawing/2014/main" id="{E89225EC-D24F-6936-7F1F-C5CC1BAAEFF2}"/>
-              </a:ext>
-            </a:extLst>
-          </p:cNvPr>
+            <a:endParaRPr lang="en-US" dirty="0"/>
+          </a:p>
+        </p:txBody>
+      </p:sp>
+      <p:sp>
+        <p:nvSpPr>
+          <p:cNvPr id="4" name="Date Placeholder 3"/>
           <p:cNvSpPr>
             <a:spLocks noGrp="1"/>
           </p:cNvSpPr>
@@ -452,7 +796,7 @@
           <a:p>
             <a:fld id="{7330623E-D986-4A55-B024-5517C53FB334}" type="datetimeFigureOut">
               <a:rPr lang="zh-TW" altLang="en-US" smtClean="0"/>
-              <a:t>2025/10/28</a:t>
+              <a:t>2025/11/7</a:t>
             </a:fld>
             <a:endParaRPr lang="zh-TW" altLang="en-US"/>
           </a:p>
@@ -460,13 +804,7 @@
       </p:sp>
       <p:sp>
         <p:nvSpPr>
-          <p:cNvPr id="5" name="頁尾版面配置區 4">
-            <a:extLst>
-              <a:ext uri="{FF2B5EF4-FFF2-40B4-BE49-F238E27FC236}">
-                <a16:creationId xmlns:a16="http://schemas.microsoft.com/office/drawing/2014/main" id="{CC592DDA-DA33-D460-AF10-894864D9D60C}"/>
-              </a:ext>
-            </a:extLst>
-          </p:cNvPr>
+          <p:cNvPr id="5" name="Footer Placeholder 4"/>
           <p:cNvSpPr>
             <a:spLocks noGrp="1"/>
           </p:cNvSpPr>
@@ -485,13 +823,7 @@
       </p:sp>
       <p:sp>
         <p:nvSpPr>
-          <p:cNvPr id="6" name="投影片編號版面配置區 5">
-            <a:extLst>
-              <a:ext uri="{FF2B5EF4-FFF2-40B4-BE49-F238E27FC236}">
-                <a16:creationId xmlns:a16="http://schemas.microsoft.com/office/drawing/2014/main" id="{3AA8CEA9-5478-A97B-8619-A4E57E1C2FC4}"/>
-              </a:ext>
-            </a:extLst>
-          </p:cNvPr>
+          <p:cNvPr id="6" name="Slide Number Placeholder 5"/>
           <p:cNvSpPr>
             <a:spLocks noGrp="1"/>
           </p:cNvSpPr>
@@ -515,7 +847,7 @@
     </p:spTree>
     <p:extLst>
       <p:ext uri="{BB962C8B-B14F-4D97-AF65-F5344CB8AC3E}">
-        <p14:creationId xmlns:p14="http://schemas.microsoft.com/office/powerpoint/2010/main" val="3205795623"/>
+        <p14:creationId xmlns:p14="http://schemas.microsoft.com/office/powerpoint/2010/main" val="3562931682"/>
       </p:ext>
     </p:extLst>
   </p:cSld>
@@ -544,13 +876,7 @@
       </p:grpSpPr>
       <p:sp>
         <p:nvSpPr>
-          <p:cNvPr id="2" name="直排標題 1">
-            <a:extLst>
-              <a:ext uri="{FF2B5EF4-FFF2-40B4-BE49-F238E27FC236}">
-                <a16:creationId xmlns:a16="http://schemas.microsoft.com/office/drawing/2014/main" id="{EF9B9EB0-05D2-DFAC-AB8A-F4FAECD882C1}"/>
-              </a:ext>
-            </a:extLst>
-          </p:cNvPr>
+          <p:cNvPr id="2" name="Vertical Title 1"/>
           <p:cNvSpPr>
             <a:spLocks noGrp="1"/>
           </p:cNvSpPr>
@@ -560,8 +886,8 @@
         </p:nvSpPr>
         <p:spPr>
           <a:xfrm>
-            <a:off x="8724900" y="365125"/>
-            <a:ext cx="2628900" cy="5811838"/>
+            <a:off x="6406213" y="192705"/>
+            <a:ext cx="1930256" cy="3067359"/>
           </a:xfrm>
         </p:spPr>
         <p:txBody>
@@ -572,18 +898,13 @@
               <a:rPr lang="zh-TW" altLang="en-US"/>
               <a:t>按一下以編輯母片標題樣式</a:t>
             </a:r>
-          </a:p>
-        </p:txBody>
-      </p:sp>
-      <p:sp>
-        <p:nvSpPr>
-          <p:cNvPr id="3" name="直排文字版面配置區 2">
-            <a:extLst>
-              <a:ext uri="{FF2B5EF4-FFF2-40B4-BE49-F238E27FC236}">
-                <a16:creationId xmlns:a16="http://schemas.microsoft.com/office/drawing/2014/main" id="{726A040D-3FD6-7B3B-626C-500B1EC362A8}"/>
-              </a:ext>
-            </a:extLst>
-          </p:cNvPr>
+            <a:endParaRPr lang="en-US" dirty="0"/>
+          </a:p>
+        </p:txBody>
+      </p:sp>
+      <p:sp>
+        <p:nvSpPr>
+          <p:cNvPr id="3" name="Vertical Text Placeholder 2"/>
           <p:cNvSpPr>
             <a:spLocks noGrp="1"/>
           </p:cNvSpPr>
@@ -593,8 +914,8 @@
         </p:nvSpPr>
         <p:spPr>
           <a:xfrm>
-            <a:off x="838200" y="365125"/>
-            <a:ext cx="7734300" cy="5811838"/>
+            <a:off x="615444" y="192705"/>
+            <a:ext cx="5678870" cy="3067359"/>
           </a:xfrm>
         </p:spPr>
         <p:txBody>
@@ -634,18 +955,13 @@
               <a:rPr lang="zh-TW" altLang="en-US"/>
               <a:t>第五層</a:t>
             </a:r>
-          </a:p>
-        </p:txBody>
-      </p:sp>
-      <p:sp>
-        <p:nvSpPr>
-          <p:cNvPr id="4" name="日期版面配置區 3">
-            <a:extLst>
-              <a:ext uri="{FF2B5EF4-FFF2-40B4-BE49-F238E27FC236}">
-                <a16:creationId xmlns:a16="http://schemas.microsoft.com/office/drawing/2014/main" id="{F8F1CE72-2A0B-BA27-0406-FE85C23D8E46}"/>
-              </a:ext>
-            </a:extLst>
-          </p:cNvPr>
+            <a:endParaRPr lang="en-US" dirty="0"/>
+          </a:p>
+        </p:txBody>
+      </p:sp>
+      <p:sp>
+        <p:nvSpPr>
+          <p:cNvPr id="4" name="Date Placeholder 3"/>
           <p:cNvSpPr>
             <a:spLocks noGrp="1"/>
           </p:cNvSpPr>
@@ -660,7 +976,7 @@
           <a:p>
             <a:fld id="{7330623E-D986-4A55-B024-5517C53FB334}" type="datetimeFigureOut">
               <a:rPr lang="zh-TW" altLang="en-US" smtClean="0"/>
-              <a:t>2025/10/28</a:t>
+              <a:t>2025/11/7</a:t>
             </a:fld>
             <a:endParaRPr lang="zh-TW" altLang="en-US"/>
           </a:p>
@@ -668,13 +984,7 @@
       </p:sp>
       <p:sp>
         <p:nvSpPr>
-          <p:cNvPr id="5" name="頁尾版面配置區 4">
-            <a:extLst>
-              <a:ext uri="{FF2B5EF4-FFF2-40B4-BE49-F238E27FC236}">
-                <a16:creationId xmlns:a16="http://schemas.microsoft.com/office/drawing/2014/main" id="{E39AEC0D-DA39-C031-D655-A2A54F7E6BA0}"/>
-              </a:ext>
-            </a:extLst>
-          </p:cNvPr>
+          <p:cNvPr id="5" name="Footer Placeholder 4"/>
           <p:cNvSpPr>
             <a:spLocks noGrp="1"/>
           </p:cNvSpPr>
@@ -693,13 +1003,7 @@
       </p:sp>
       <p:sp>
         <p:nvSpPr>
-          <p:cNvPr id="6" name="投影片編號版面配置區 5">
-            <a:extLst>
-              <a:ext uri="{FF2B5EF4-FFF2-40B4-BE49-F238E27FC236}">
-                <a16:creationId xmlns:a16="http://schemas.microsoft.com/office/drawing/2014/main" id="{CFCF978E-7DEE-99BF-AB86-310538359896}"/>
-              </a:ext>
-            </a:extLst>
-          </p:cNvPr>
+          <p:cNvPr id="6" name="Slide Number Placeholder 5"/>
           <p:cNvSpPr>
             <a:spLocks noGrp="1"/>
           </p:cNvSpPr>
@@ -723,7 +1027,7 @@
     </p:spTree>
     <p:extLst>
       <p:ext uri="{BB962C8B-B14F-4D97-AF65-F5344CB8AC3E}">
-        <p14:creationId xmlns:p14="http://schemas.microsoft.com/office/powerpoint/2010/main" val="1845869981"/>
+        <p14:creationId xmlns:p14="http://schemas.microsoft.com/office/powerpoint/2010/main" val="2423978824"/>
       </p:ext>
     </p:extLst>
   </p:cSld>
@@ -752,13 +1056,7 @@
       </p:grpSpPr>
       <p:sp>
         <p:nvSpPr>
-          <p:cNvPr id="2" name="標題 1">
-            <a:extLst>
-              <a:ext uri="{FF2B5EF4-FFF2-40B4-BE49-F238E27FC236}">
-                <a16:creationId xmlns:a16="http://schemas.microsoft.com/office/drawing/2014/main" id="{9CDF4DC4-BBE8-20D8-EC01-5ECC6159CC39}"/>
-              </a:ext>
-            </a:extLst>
-          </p:cNvPr>
+          <p:cNvPr id="2" name="Title 1"/>
           <p:cNvSpPr>
             <a:spLocks noGrp="1"/>
           </p:cNvSpPr>
@@ -775,18 +1073,13 @@
               <a:rPr lang="zh-TW" altLang="en-US"/>
               <a:t>按一下以編輯母片標題樣式</a:t>
             </a:r>
-          </a:p>
-        </p:txBody>
-      </p:sp>
-      <p:sp>
-        <p:nvSpPr>
-          <p:cNvPr id="3" name="內容版面配置區 2">
-            <a:extLst>
-              <a:ext uri="{FF2B5EF4-FFF2-40B4-BE49-F238E27FC236}">
-                <a16:creationId xmlns:a16="http://schemas.microsoft.com/office/drawing/2014/main" id="{35BDEA6F-2989-1DAE-927A-443B0F1E7AE0}"/>
-              </a:ext>
-            </a:extLst>
-          </p:cNvPr>
+            <a:endParaRPr lang="en-US" dirty="0"/>
+          </a:p>
+        </p:txBody>
+      </p:sp>
+      <p:sp>
+        <p:nvSpPr>
+          <p:cNvPr id="3" name="Content Placeholder 2"/>
           <p:cNvSpPr>
             <a:spLocks noGrp="1"/>
           </p:cNvSpPr>
@@ -832,18 +1125,13 @@
               <a:rPr lang="zh-TW" altLang="en-US"/>
               <a:t>第五層</a:t>
             </a:r>
-          </a:p>
-        </p:txBody>
-      </p:sp>
-      <p:sp>
-        <p:nvSpPr>
-          <p:cNvPr id="4" name="日期版面配置區 3">
-            <a:extLst>
-              <a:ext uri="{FF2B5EF4-FFF2-40B4-BE49-F238E27FC236}">
-                <a16:creationId xmlns:a16="http://schemas.microsoft.com/office/drawing/2014/main" id="{AA94C20C-0FC9-4C6F-7E03-33E74C7E0921}"/>
-              </a:ext>
-            </a:extLst>
-          </p:cNvPr>
+            <a:endParaRPr lang="en-US" dirty="0"/>
+          </a:p>
+        </p:txBody>
+      </p:sp>
+      <p:sp>
+        <p:nvSpPr>
+          <p:cNvPr id="4" name="Date Placeholder 3"/>
           <p:cNvSpPr>
             <a:spLocks noGrp="1"/>
           </p:cNvSpPr>
@@ -858,7 +1146,7 @@
           <a:p>
             <a:fld id="{7330623E-D986-4A55-B024-5517C53FB334}" type="datetimeFigureOut">
               <a:rPr lang="zh-TW" altLang="en-US" smtClean="0"/>
-              <a:t>2025/10/28</a:t>
+              <a:t>2025/11/7</a:t>
             </a:fld>
             <a:endParaRPr lang="zh-TW" altLang="en-US"/>
           </a:p>
@@ -866,13 +1154,7 @@
       </p:sp>
       <p:sp>
         <p:nvSpPr>
-          <p:cNvPr id="5" name="頁尾版面配置區 4">
-            <a:extLst>
-              <a:ext uri="{FF2B5EF4-FFF2-40B4-BE49-F238E27FC236}">
-                <a16:creationId xmlns:a16="http://schemas.microsoft.com/office/drawing/2014/main" id="{E028C4D5-65BC-D62B-C7A7-91170ADB9E5A}"/>
-              </a:ext>
-            </a:extLst>
-          </p:cNvPr>
+          <p:cNvPr id="5" name="Footer Placeholder 4"/>
           <p:cNvSpPr>
             <a:spLocks noGrp="1"/>
           </p:cNvSpPr>
@@ -891,13 +1173,7 @@
       </p:sp>
       <p:sp>
         <p:nvSpPr>
-          <p:cNvPr id="6" name="投影片編號版面配置區 5">
-            <a:extLst>
-              <a:ext uri="{FF2B5EF4-FFF2-40B4-BE49-F238E27FC236}">
-                <a16:creationId xmlns:a16="http://schemas.microsoft.com/office/drawing/2014/main" id="{300636B9-8929-DCFD-15A8-8DFF5BE12156}"/>
-              </a:ext>
-            </a:extLst>
-          </p:cNvPr>
+          <p:cNvPr id="6" name="Slide Number Placeholder 5"/>
           <p:cNvSpPr>
             <a:spLocks noGrp="1"/>
           </p:cNvSpPr>
@@ -921,7 +1197,7 @@
     </p:spTree>
     <p:extLst>
       <p:ext uri="{BB962C8B-B14F-4D97-AF65-F5344CB8AC3E}">
-        <p14:creationId xmlns:p14="http://schemas.microsoft.com/office/powerpoint/2010/main" val="101860398"/>
+        <p14:creationId xmlns:p14="http://schemas.microsoft.com/office/powerpoint/2010/main" val="1597265902"/>
       </p:ext>
     </p:extLst>
   </p:cSld>
@@ -950,13 +1226,7 @@
       </p:grpSpPr>
       <p:sp>
         <p:nvSpPr>
-          <p:cNvPr id="2" name="標題 1">
-            <a:extLst>
-              <a:ext uri="{FF2B5EF4-FFF2-40B4-BE49-F238E27FC236}">
-                <a16:creationId xmlns:a16="http://schemas.microsoft.com/office/drawing/2014/main" id="{6BE73D3B-F8BD-CE6B-8C64-4329CFBC3779}"/>
-              </a:ext>
-            </a:extLst>
-          </p:cNvPr>
+          <p:cNvPr id="2" name="Title 1"/>
           <p:cNvSpPr>
             <a:spLocks noGrp="1"/>
           </p:cNvSpPr>
@@ -966,15 +1236,15 @@
         </p:nvSpPr>
         <p:spPr>
           <a:xfrm>
-            <a:off x="831850" y="1709738"/>
-            <a:ext cx="10515600" cy="2852737"/>
+            <a:off x="610782" y="902362"/>
+            <a:ext cx="7721025" cy="1505611"/>
           </a:xfrm>
         </p:spPr>
         <p:txBody>
           <a:bodyPr anchor="b"/>
           <a:lstStyle>
             <a:lvl1pPr>
-              <a:defRPr sz="6000"/>
+              <a:defRPr sz="3167"/>
             </a:lvl1pPr>
           </a:lstStyle>
           <a:p>
@@ -982,18 +1252,13 @@
               <a:rPr lang="zh-TW" altLang="en-US"/>
               <a:t>按一下以編輯母片標題樣式</a:t>
             </a:r>
-          </a:p>
-        </p:txBody>
-      </p:sp>
-      <p:sp>
-        <p:nvSpPr>
-          <p:cNvPr id="3" name="文字版面配置區 2">
-            <a:extLst>
-              <a:ext uri="{FF2B5EF4-FFF2-40B4-BE49-F238E27FC236}">
-                <a16:creationId xmlns:a16="http://schemas.microsoft.com/office/drawing/2014/main" id="{2A65649A-D2C3-D6EA-C629-D278CB4D48AB}"/>
-              </a:ext>
-            </a:extLst>
-          </p:cNvPr>
+            <a:endParaRPr lang="en-US" dirty="0"/>
+          </a:p>
+        </p:txBody>
+      </p:sp>
+      <p:sp>
+        <p:nvSpPr>
+          <p:cNvPr id="3" name="Text Placeholder 2"/>
           <p:cNvSpPr>
             <a:spLocks noGrp="1"/>
           </p:cNvSpPr>
@@ -1003,8 +1268,8 @@
         </p:nvSpPr>
         <p:spPr>
           <a:xfrm>
-            <a:off x="831850" y="4589463"/>
-            <a:ext cx="10515600" cy="1500187"/>
+            <a:off x="610782" y="2422217"/>
+            <a:ext cx="7721025" cy="791765"/>
           </a:xfrm>
         </p:spPr>
         <p:txBody>
@@ -1012,7 +1277,7 @@
           <a:lstStyle>
             <a:lvl1pPr marL="0" indent="0">
               <a:buNone/>
-              <a:defRPr sz="2400">
+              <a:defRPr sz="1267">
                 <a:solidFill>
                   <a:schemeClr val="tx1">
                     <a:tint val="82000"/>
@@ -1020,9 +1285,9 @@
                 </a:solidFill>
               </a:defRPr>
             </a:lvl1pPr>
-            <a:lvl2pPr marL="457200" indent="0">
-              <a:buNone/>
-              <a:defRPr sz="2000">
+            <a:lvl2pPr marL="241310" indent="0">
+              <a:buNone/>
+              <a:defRPr sz="1056">
                 <a:solidFill>
                   <a:schemeClr val="tx1">
                     <a:tint val="82000"/>
@@ -1030,9 +1295,9 @@
                 </a:solidFill>
               </a:defRPr>
             </a:lvl2pPr>
-            <a:lvl3pPr marL="914400" indent="0">
-              <a:buNone/>
-              <a:defRPr sz="1800">
+            <a:lvl3pPr marL="482620" indent="0">
+              <a:buNone/>
+              <a:defRPr sz="950">
                 <a:solidFill>
                   <a:schemeClr val="tx1">
                     <a:tint val="82000"/>
@@ -1040,9 +1305,9 @@
                 </a:solidFill>
               </a:defRPr>
             </a:lvl3pPr>
-            <a:lvl4pPr marL="1371600" indent="0">
-              <a:buNone/>
-              <a:defRPr sz="1600">
+            <a:lvl4pPr marL="723930" indent="0">
+              <a:buNone/>
+              <a:defRPr sz="844">
                 <a:solidFill>
                   <a:schemeClr val="tx1">
                     <a:tint val="82000"/>
@@ -1050,9 +1315,9 @@
                 </a:solidFill>
               </a:defRPr>
             </a:lvl4pPr>
-            <a:lvl5pPr marL="1828800" indent="0">
-              <a:buNone/>
-              <a:defRPr sz="1600">
+            <a:lvl5pPr marL="965241" indent="0">
+              <a:buNone/>
+              <a:defRPr sz="844">
                 <a:solidFill>
                   <a:schemeClr val="tx1">
                     <a:tint val="82000"/>
@@ -1060,9 +1325,9 @@
                 </a:solidFill>
               </a:defRPr>
             </a:lvl5pPr>
-            <a:lvl6pPr marL="2286000" indent="0">
-              <a:buNone/>
-              <a:defRPr sz="1600">
+            <a:lvl6pPr marL="1206551" indent="0">
+              <a:buNone/>
+              <a:defRPr sz="844">
                 <a:solidFill>
                   <a:schemeClr val="tx1">
                     <a:tint val="82000"/>
@@ -1070,9 +1335,9 @@
                 </a:solidFill>
               </a:defRPr>
             </a:lvl6pPr>
-            <a:lvl7pPr marL="2743200" indent="0">
-              <a:buNone/>
-              <a:defRPr sz="1600">
+            <a:lvl7pPr marL="1447861" indent="0">
+              <a:buNone/>
+              <a:defRPr sz="844">
                 <a:solidFill>
                   <a:schemeClr val="tx1">
                     <a:tint val="82000"/>
@@ -1080,9 +1345,9 @@
                 </a:solidFill>
               </a:defRPr>
             </a:lvl7pPr>
-            <a:lvl8pPr marL="3200400" indent="0">
-              <a:buNone/>
-              <a:defRPr sz="1600">
+            <a:lvl8pPr marL="1689171" indent="0">
+              <a:buNone/>
+              <a:defRPr sz="844">
                 <a:solidFill>
                   <a:schemeClr val="tx1">
                     <a:tint val="82000"/>
@@ -1090,9 +1355,9 @@
                 </a:solidFill>
               </a:defRPr>
             </a:lvl8pPr>
-            <a:lvl9pPr marL="3657600" indent="0">
-              <a:buNone/>
-              <a:defRPr sz="1600">
+            <a:lvl9pPr marL="1930481" indent="0">
+              <a:buNone/>
+              <a:defRPr sz="844">
                 <a:solidFill>
                   <a:schemeClr val="tx1">
                     <a:tint val="82000"/>
@@ -1112,13 +1377,7 @@
       </p:sp>
       <p:sp>
         <p:nvSpPr>
-          <p:cNvPr id="4" name="日期版面配置區 3">
-            <a:extLst>
-              <a:ext uri="{FF2B5EF4-FFF2-40B4-BE49-F238E27FC236}">
-                <a16:creationId xmlns:a16="http://schemas.microsoft.com/office/drawing/2014/main" id="{E8B512B3-708C-4D79-22EC-1C3D289C042D}"/>
-              </a:ext>
-            </a:extLst>
-          </p:cNvPr>
+          <p:cNvPr id="4" name="Date Placeholder 3"/>
           <p:cNvSpPr>
             <a:spLocks noGrp="1"/>
           </p:cNvSpPr>
@@ -1133,7 +1392,7 @@
           <a:p>
             <a:fld id="{7330623E-D986-4A55-B024-5517C53FB334}" type="datetimeFigureOut">
               <a:rPr lang="zh-TW" altLang="en-US" smtClean="0"/>
-              <a:t>2025/10/28</a:t>
+              <a:t>2025/11/7</a:t>
             </a:fld>
             <a:endParaRPr lang="zh-TW" altLang="en-US"/>
           </a:p>
@@ -1141,13 +1400,7 @@
       </p:sp>
       <p:sp>
         <p:nvSpPr>
-          <p:cNvPr id="5" name="頁尾版面配置區 4">
-            <a:extLst>
-              <a:ext uri="{FF2B5EF4-FFF2-40B4-BE49-F238E27FC236}">
-                <a16:creationId xmlns:a16="http://schemas.microsoft.com/office/drawing/2014/main" id="{535585BD-4F7E-65C7-E5F9-5A44EECBC94A}"/>
-              </a:ext>
-            </a:extLst>
-          </p:cNvPr>
+          <p:cNvPr id="5" name="Footer Placeholder 4"/>
           <p:cNvSpPr>
             <a:spLocks noGrp="1"/>
           </p:cNvSpPr>
@@ -1166,13 +1419,7 @@
       </p:sp>
       <p:sp>
         <p:nvSpPr>
-          <p:cNvPr id="6" name="投影片編號版面配置區 5">
-            <a:extLst>
-              <a:ext uri="{FF2B5EF4-FFF2-40B4-BE49-F238E27FC236}">
-                <a16:creationId xmlns:a16="http://schemas.microsoft.com/office/drawing/2014/main" id="{1DA64023-E8F5-93B1-53F2-566CF327D5B5}"/>
-              </a:ext>
-            </a:extLst>
-          </p:cNvPr>
+          <p:cNvPr id="6" name="Slide Number Placeholder 5"/>
           <p:cNvSpPr>
             <a:spLocks noGrp="1"/>
           </p:cNvSpPr>
@@ -1196,7 +1443,7 @@
     </p:spTree>
     <p:extLst>
       <p:ext uri="{BB962C8B-B14F-4D97-AF65-F5344CB8AC3E}">
-        <p14:creationId xmlns:p14="http://schemas.microsoft.com/office/powerpoint/2010/main" val="1429616847"/>
+        <p14:creationId xmlns:p14="http://schemas.microsoft.com/office/powerpoint/2010/main" val="818326454"/>
       </p:ext>
     </p:extLst>
   </p:cSld>
@@ -1225,13 +1472,7 @@
       </p:grpSpPr>
       <p:sp>
         <p:nvSpPr>
-          <p:cNvPr id="2" name="標題 1">
-            <a:extLst>
-              <a:ext uri="{FF2B5EF4-FFF2-40B4-BE49-F238E27FC236}">
-                <a16:creationId xmlns:a16="http://schemas.microsoft.com/office/drawing/2014/main" id="{FD18D2F1-1F04-D483-28BA-35DC872647BE}"/>
-              </a:ext>
-            </a:extLst>
-          </p:cNvPr>
+          <p:cNvPr id="2" name="Title 1"/>
           <p:cNvSpPr>
             <a:spLocks noGrp="1"/>
           </p:cNvSpPr>
@@ -1248,18 +1489,13 @@
               <a:rPr lang="zh-TW" altLang="en-US"/>
               <a:t>按一下以編輯母片標題樣式</a:t>
             </a:r>
-          </a:p>
-        </p:txBody>
-      </p:sp>
-      <p:sp>
-        <p:nvSpPr>
-          <p:cNvPr id="3" name="內容版面配置區 2">
-            <a:extLst>
-              <a:ext uri="{FF2B5EF4-FFF2-40B4-BE49-F238E27FC236}">
-                <a16:creationId xmlns:a16="http://schemas.microsoft.com/office/drawing/2014/main" id="{F5A22AFC-DC62-0C39-9A23-49FFF47394A7}"/>
-              </a:ext>
-            </a:extLst>
-          </p:cNvPr>
+            <a:endParaRPr lang="en-US" dirty="0"/>
+          </a:p>
+        </p:txBody>
+      </p:sp>
+      <p:sp>
+        <p:nvSpPr>
+          <p:cNvPr id="3" name="Content Placeholder 2"/>
           <p:cNvSpPr>
             <a:spLocks noGrp="1"/>
           </p:cNvSpPr>
@@ -1269,8 +1505,8 @@
         </p:nvSpPr>
         <p:spPr>
           <a:xfrm>
-            <a:off x="838200" y="1825625"/>
-            <a:ext cx="5181600" cy="4351338"/>
+            <a:off x="615444" y="963524"/>
+            <a:ext cx="3804563" cy="2296540"/>
           </a:xfrm>
         </p:spPr>
         <p:txBody>
@@ -1310,18 +1546,13 @@
               <a:rPr lang="zh-TW" altLang="en-US"/>
               <a:t>第五層</a:t>
             </a:r>
-          </a:p>
-        </p:txBody>
-      </p:sp>
-      <p:sp>
-        <p:nvSpPr>
-          <p:cNvPr id="4" name="內容版面配置區 3">
-            <a:extLst>
-              <a:ext uri="{FF2B5EF4-FFF2-40B4-BE49-F238E27FC236}">
-                <a16:creationId xmlns:a16="http://schemas.microsoft.com/office/drawing/2014/main" id="{A3105D60-D7CD-B422-0092-B091071AC3B8}"/>
-              </a:ext>
-            </a:extLst>
-          </p:cNvPr>
+            <a:endParaRPr lang="en-US" dirty="0"/>
+          </a:p>
+        </p:txBody>
+      </p:sp>
+      <p:sp>
+        <p:nvSpPr>
+          <p:cNvPr id="4" name="Content Placeholder 3"/>
           <p:cNvSpPr>
             <a:spLocks noGrp="1"/>
           </p:cNvSpPr>
@@ -1331,8 +1562,8 @@
         </p:nvSpPr>
         <p:spPr>
           <a:xfrm>
-            <a:off x="6172200" y="1825625"/>
-            <a:ext cx="5181600" cy="4351338"/>
+            <a:off x="4531906" y="963524"/>
+            <a:ext cx="3804563" cy="2296540"/>
           </a:xfrm>
         </p:spPr>
         <p:txBody>
@@ -1372,18 +1603,13 @@
               <a:rPr lang="zh-TW" altLang="en-US"/>
               <a:t>第五層</a:t>
             </a:r>
-          </a:p>
-        </p:txBody>
-      </p:sp>
-      <p:sp>
-        <p:nvSpPr>
-          <p:cNvPr id="5" name="日期版面配置區 4">
-            <a:extLst>
-              <a:ext uri="{FF2B5EF4-FFF2-40B4-BE49-F238E27FC236}">
-                <a16:creationId xmlns:a16="http://schemas.microsoft.com/office/drawing/2014/main" id="{D11153F9-AC93-F88B-AD1A-96FA986D02A5}"/>
-              </a:ext>
-            </a:extLst>
-          </p:cNvPr>
+            <a:endParaRPr lang="en-US" dirty="0"/>
+          </a:p>
+        </p:txBody>
+      </p:sp>
+      <p:sp>
+        <p:nvSpPr>
+          <p:cNvPr id="5" name="Date Placeholder 4"/>
           <p:cNvSpPr>
             <a:spLocks noGrp="1"/>
           </p:cNvSpPr>
@@ -1398,7 +1624,7 @@
           <a:p>
             <a:fld id="{7330623E-D986-4A55-B024-5517C53FB334}" type="datetimeFigureOut">
               <a:rPr lang="zh-TW" altLang="en-US" smtClean="0"/>
-              <a:t>2025/10/28</a:t>
+              <a:t>2025/11/7</a:t>
             </a:fld>
             <a:endParaRPr lang="zh-TW" altLang="en-US"/>
           </a:p>
@@ -1406,13 +1632,7 @@
       </p:sp>
       <p:sp>
         <p:nvSpPr>
-          <p:cNvPr id="6" name="頁尾版面配置區 5">
-            <a:extLst>
-              <a:ext uri="{FF2B5EF4-FFF2-40B4-BE49-F238E27FC236}">
-                <a16:creationId xmlns:a16="http://schemas.microsoft.com/office/drawing/2014/main" id="{7D68B82B-A33A-238A-4016-8999299597EF}"/>
-              </a:ext>
-            </a:extLst>
-          </p:cNvPr>
+          <p:cNvPr id="6" name="Footer Placeholder 5"/>
           <p:cNvSpPr>
             <a:spLocks noGrp="1"/>
           </p:cNvSpPr>
@@ -1431,13 +1651,7 @@
       </p:sp>
       <p:sp>
         <p:nvSpPr>
-          <p:cNvPr id="7" name="投影片編號版面配置區 6">
-            <a:extLst>
-              <a:ext uri="{FF2B5EF4-FFF2-40B4-BE49-F238E27FC236}">
-                <a16:creationId xmlns:a16="http://schemas.microsoft.com/office/drawing/2014/main" id="{94151552-7D55-3C65-F4BC-C68DA0EF512F}"/>
-              </a:ext>
-            </a:extLst>
-          </p:cNvPr>
+          <p:cNvPr id="7" name="Slide Number Placeholder 6"/>
           <p:cNvSpPr>
             <a:spLocks noGrp="1"/>
           </p:cNvSpPr>
@@ -1461,7 +1675,7 @@
     </p:spTree>
     <p:extLst>
       <p:ext uri="{BB962C8B-B14F-4D97-AF65-F5344CB8AC3E}">
-        <p14:creationId xmlns:p14="http://schemas.microsoft.com/office/powerpoint/2010/main" val="1900319196"/>
+        <p14:creationId xmlns:p14="http://schemas.microsoft.com/office/powerpoint/2010/main" val="62249703"/>
       </p:ext>
     </p:extLst>
   </p:cSld>
@@ -1490,13 +1704,7 @@
       </p:grpSpPr>
       <p:sp>
         <p:nvSpPr>
-          <p:cNvPr id="2" name="標題 1">
-            <a:extLst>
-              <a:ext uri="{FF2B5EF4-FFF2-40B4-BE49-F238E27FC236}">
-                <a16:creationId xmlns:a16="http://schemas.microsoft.com/office/drawing/2014/main" id="{0C649B00-E645-B1FD-CCF4-7C7F55D6A0FD}"/>
-              </a:ext>
-            </a:extLst>
-          </p:cNvPr>
+          <p:cNvPr id="2" name="Title 1"/>
           <p:cNvSpPr>
             <a:spLocks noGrp="1"/>
           </p:cNvSpPr>
@@ -1506,8 +1714,8 @@
         </p:nvSpPr>
         <p:spPr>
           <a:xfrm>
-            <a:off x="839788" y="365125"/>
-            <a:ext cx="10515600" cy="1325563"/>
+            <a:off x="616610" y="192705"/>
+            <a:ext cx="7721025" cy="699603"/>
           </a:xfrm>
         </p:spPr>
         <p:txBody>
@@ -1518,18 +1726,13 @@
               <a:rPr lang="zh-TW" altLang="en-US"/>
               <a:t>按一下以編輯母片標題樣式</a:t>
             </a:r>
-          </a:p>
-        </p:txBody>
-      </p:sp>
-      <p:sp>
-        <p:nvSpPr>
-          <p:cNvPr id="3" name="文字版面配置區 2">
-            <a:extLst>
-              <a:ext uri="{FF2B5EF4-FFF2-40B4-BE49-F238E27FC236}">
-                <a16:creationId xmlns:a16="http://schemas.microsoft.com/office/drawing/2014/main" id="{A739F7BA-959A-4031-481D-01E939115629}"/>
-              </a:ext>
-            </a:extLst>
-          </p:cNvPr>
+            <a:endParaRPr lang="en-US" dirty="0"/>
+          </a:p>
+        </p:txBody>
+      </p:sp>
+      <p:sp>
+        <p:nvSpPr>
+          <p:cNvPr id="3" name="Text Placeholder 2"/>
           <p:cNvSpPr>
             <a:spLocks noGrp="1"/>
           </p:cNvSpPr>
@@ -1539,8 +1742,8 @@
         </p:nvSpPr>
         <p:spPr>
           <a:xfrm>
-            <a:off x="839788" y="1681163"/>
-            <a:ext cx="5157787" cy="823912"/>
+            <a:off x="616611" y="887281"/>
+            <a:ext cx="3787078" cy="434842"/>
           </a:xfrm>
         </p:spPr>
         <p:txBody>
@@ -1548,39 +1751,39 @@
           <a:lstStyle>
             <a:lvl1pPr marL="0" indent="0">
               <a:buNone/>
-              <a:defRPr sz="2400" b="1"/>
+              <a:defRPr sz="1267" b="1"/>
             </a:lvl1pPr>
-            <a:lvl2pPr marL="457200" indent="0">
-              <a:buNone/>
-              <a:defRPr sz="2000" b="1"/>
+            <a:lvl2pPr marL="241310" indent="0">
+              <a:buNone/>
+              <a:defRPr sz="1056" b="1"/>
             </a:lvl2pPr>
-            <a:lvl3pPr marL="914400" indent="0">
-              <a:buNone/>
-              <a:defRPr sz="1800" b="1"/>
+            <a:lvl3pPr marL="482620" indent="0">
+              <a:buNone/>
+              <a:defRPr sz="950" b="1"/>
             </a:lvl3pPr>
-            <a:lvl4pPr marL="1371600" indent="0">
-              <a:buNone/>
-              <a:defRPr sz="1600" b="1"/>
+            <a:lvl4pPr marL="723930" indent="0">
+              <a:buNone/>
+              <a:defRPr sz="844" b="1"/>
             </a:lvl4pPr>
-            <a:lvl5pPr marL="1828800" indent="0">
-              <a:buNone/>
-              <a:defRPr sz="1600" b="1"/>
+            <a:lvl5pPr marL="965241" indent="0">
+              <a:buNone/>
+              <a:defRPr sz="844" b="1"/>
             </a:lvl5pPr>
-            <a:lvl6pPr marL="2286000" indent="0">
-              <a:buNone/>
-              <a:defRPr sz="1600" b="1"/>
+            <a:lvl6pPr marL="1206551" indent="0">
+              <a:buNone/>
+              <a:defRPr sz="844" b="1"/>
             </a:lvl6pPr>
-            <a:lvl7pPr marL="2743200" indent="0">
-              <a:buNone/>
-              <a:defRPr sz="1600" b="1"/>
+            <a:lvl7pPr marL="1447861" indent="0">
+              <a:buNone/>
+              <a:defRPr sz="844" b="1"/>
             </a:lvl7pPr>
-            <a:lvl8pPr marL="3200400" indent="0">
-              <a:buNone/>
-              <a:defRPr sz="1600" b="1"/>
+            <a:lvl8pPr marL="1689171" indent="0">
+              <a:buNone/>
+              <a:defRPr sz="844" b="1"/>
             </a:lvl8pPr>
-            <a:lvl9pPr marL="3657600" indent="0">
-              <a:buNone/>
-              <a:defRPr sz="1600" b="1"/>
+            <a:lvl9pPr marL="1930481" indent="0">
+              <a:buNone/>
+              <a:defRPr sz="844" b="1"/>
             </a:lvl9pPr>
           </a:lstStyle>
           <a:p>
@@ -1594,13 +1797,7 @@
       </p:sp>
       <p:sp>
         <p:nvSpPr>
-          <p:cNvPr id="4" name="內容版面配置區 3">
-            <a:extLst>
-              <a:ext uri="{FF2B5EF4-FFF2-40B4-BE49-F238E27FC236}">
-                <a16:creationId xmlns:a16="http://schemas.microsoft.com/office/drawing/2014/main" id="{78E01012-C42D-B8BF-CC38-D26F90F54341}"/>
-              </a:ext>
-            </a:extLst>
-          </p:cNvPr>
+          <p:cNvPr id="4" name="Content Placeholder 3"/>
           <p:cNvSpPr>
             <a:spLocks noGrp="1"/>
           </p:cNvSpPr>
@@ -1610,8 +1807,8 @@
         </p:nvSpPr>
         <p:spPr>
           <a:xfrm>
-            <a:off x="839788" y="2505075"/>
-            <a:ext cx="5157787" cy="3684588"/>
+            <a:off x="616611" y="1322123"/>
+            <a:ext cx="3787078" cy="1944644"/>
           </a:xfrm>
         </p:spPr>
         <p:txBody>
@@ -1651,18 +1848,13 @@
               <a:rPr lang="zh-TW" altLang="en-US"/>
               <a:t>第五層</a:t>
             </a:r>
-          </a:p>
-        </p:txBody>
-      </p:sp>
-      <p:sp>
-        <p:nvSpPr>
-          <p:cNvPr id="5" name="文字版面配置區 4">
-            <a:extLst>
-              <a:ext uri="{FF2B5EF4-FFF2-40B4-BE49-F238E27FC236}">
-                <a16:creationId xmlns:a16="http://schemas.microsoft.com/office/drawing/2014/main" id="{BA1F5938-C911-05CC-3B3D-A836EF2A91EA}"/>
-              </a:ext>
-            </a:extLst>
-          </p:cNvPr>
+            <a:endParaRPr lang="en-US" dirty="0"/>
+          </a:p>
+        </p:txBody>
+      </p:sp>
+      <p:sp>
+        <p:nvSpPr>
+          <p:cNvPr id="5" name="Text Placeholder 4"/>
           <p:cNvSpPr>
             <a:spLocks noGrp="1"/>
           </p:cNvSpPr>
@@ -1672,8 +1864,8 @@
         </p:nvSpPr>
         <p:spPr>
           <a:xfrm>
-            <a:off x="6172200" y="1681163"/>
-            <a:ext cx="5183188" cy="823912"/>
+            <a:off x="4531906" y="887281"/>
+            <a:ext cx="3805729" cy="434842"/>
           </a:xfrm>
         </p:spPr>
         <p:txBody>
@@ -1681,39 +1873,39 @@
           <a:lstStyle>
             <a:lvl1pPr marL="0" indent="0">
               <a:buNone/>
-              <a:defRPr sz="2400" b="1"/>
+              <a:defRPr sz="1267" b="1"/>
             </a:lvl1pPr>
-            <a:lvl2pPr marL="457200" indent="0">
-              <a:buNone/>
-              <a:defRPr sz="2000" b="1"/>
+            <a:lvl2pPr marL="241310" indent="0">
+              <a:buNone/>
+              <a:defRPr sz="1056" b="1"/>
             </a:lvl2pPr>
-            <a:lvl3pPr marL="914400" indent="0">
-              <a:buNone/>
-              <a:defRPr sz="1800" b="1"/>
+            <a:lvl3pPr marL="482620" indent="0">
+              <a:buNone/>
+              <a:defRPr sz="950" b="1"/>
             </a:lvl3pPr>
-            <a:lvl4pPr marL="1371600" indent="0">
-              <a:buNone/>
-              <a:defRPr sz="1600" b="1"/>
+            <a:lvl4pPr marL="723930" indent="0">
+              <a:buNone/>
+              <a:defRPr sz="844" b="1"/>
             </a:lvl4pPr>
-            <a:lvl5pPr marL="1828800" indent="0">
-              <a:buNone/>
-              <a:defRPr sz="1600" b="1"/>
+            <a:lvl5pPr marL="965241" indent="0">
+              <a:buNone/>
+              <a:defRPr sz="844" b="1"/>
             </a:lvl5pPr>
-            <a:lvl6pPr marL="2286000" indent="0">
-              <a:buNone/>
-              <a:defRPr sz="1600" b="1"/>
+            <a:lvl6pPr marL="1206551" indent="0">
+              <a:buNone/>
+              <a:defRPr sz="844" b="1"/>
             </a:lvl6pPr>
-            <a:lvl7pPr marL="2743200" indent="0">
-              <a:buNone/>
-              <a:defRPr sz="1600" b="1"/>
+            <a:lvl7pPr marL="1447861" indent="0">
+              <a:buNone/>
+              <a:defRPr sz="844" b="1"/>
             </a:lvl7pPr>
-            <a:lvl8pPr marL="3200400" indent="0">
-              <a:buNone/>
-              <a:defRPr sz="1600" b="1"/>
+            <a:lvl8pPr marL="1689171" indent="0">
+              <a:buNone/>
+              <a:defRPr sz="844" b="1"/>
             </a:lvl8pPr>
-            <a:lvl9pPr marL="3657600" indent="0">
-              <a:buNone/>
-              <a:defRPr sz="1600" b="1"/>
+            <a:lvl9pPr marL="1930481" indent="0">
+              <a:buNone/>
+              <a:defRPr sz="844" b="1"/>
             </a:lvl9pPr>
           </a:lstStyle>
           <a:p>
@@ -1727,13 +1919,7 @@
       </p:sp>
       <p:sp>
         <p:nvSpPr>
-          <p:cNvPr id="6" name="內容版面配置區 5">
-            <a:extLst>
-              <a:ext uri="{FF2B5EF4-FFF2-40B4-BE49-F238E27FC236}">
-                <a16:creationId xmlns:a16="http://schemas.microsoft.com/office/drawing/2014/main" id="{D93EEBE8-5D64-96F4-C2FD-674BCAA7E554}"/>
-              </a:ext>
-            </a:extLst>
-          </p:cNvPr>
+          <p:cNvPr id="6" name="Content Placeholder 5"/>
           <p:cNvSpPr>
             <a:spLocks noGrp="1"/>
           </p:cNvSpPr>
@@ -1743,8 +1929,8 @@
         </p:nvSpPr>
         <p:spPr>
           <a:xfrm>
-            <a:off x="6172200" y="2505075"/>
-            <a:ext cx="5183188" cy="3684588"/>
+            <a:off x="4531906" y="1322123"/>
+            <a:ext cx="3805729" cy="1944644"/>
           </a:xfrm>
         </p:spPr>
         <p:txBody>
@@ -1784,18 +1970,13 @@
               <a:rPr lang="zh-TW" altLang="en-US"/>
               <a:t>第五層</a:t>
             </a:r>
-          </a:p>
-        </p:txBody>
-      </p:sp>
-      <p:sp>
-        <p:nvSpPr>
-          <p:cNvPr id="7" name="日期版面配置區 6">
-            <a:extLst>
-              <a:ext uri="{FF2B5EF4-FFF2-40B4-BE49-F238E27FC236}">
-                <a16:creationId xmlns:a16="http://schemas.microsoft.com/office/drawing/2014/main" id="{1F337D27-9F29-43E2-0394-BFE8D26CED4C}"/>
-              </a:ext>
-            </a:extLst>
-          </p:cNvPr>
+            <a:endParaRPr lang="en-US" dirty="0"/>
+          </a:p>
+        </p:txBody>
+      </p:sp>
+      <p:sp>
+        <p:nvSpPr>
+          <p:cNvPr id="7" name="Date Placeholder 6"/>
           <p:cNvSpPr>
             <a:spLocks noGrp="1"/>
           </p:cNvSpPr>
@@ -1810,7 +1991,7 @@
           <a:p>
             <a:fld id="{7330623E-D986-4A55-B024-5517C53FB334}" type="datetimeFigureOut">
               <a:rPr lang="zh-TW" altLang="en-US" smtClean="0"/>
-              <a:t>2025/10/28</a:t>
+              <a:t>2025/11/7</a:t>
             </a:fld>
             <a:endParaRPr lang="zh-TW" altLang="en-US"/>
           </a:p>
@@ -1818,13 +1999,7 @@
       </p:sp>
       <p:sp>
         <p:nvSpPr>
-          <p:cNvPr id="8" name="頁尾版面配置區 7">
-            <a:extLst>
-              <a:ext uri="{FF2B5EF4-FFF2-40B4-BE49-F238E27FC236}">
-                <a16:creationId xmlns:a16="http://schemas.microsoft.com/office/drawing/2014/main" id="{CA54B9BB-4690-EAA8-C49A-D3AE8176FC7E}"/>
-              </a:ext>
-            </a:extLst>
-          </p:cNvPr>
+          <p:cNvPr id="8" name="Footer Placeholder 7"/>
           <p:cNvSpPr>
             <a:spLocks noGrp="1"/>
           </p:cNvSpPr>
@@ -1843,13 +2018,7 @@
       </p:sp>
       <p:sp>
         <p:nvSpPr>
-          <p:cNvPr id="9" name="投影片編號版面配置區 8">
-            <a:extLst>
-              <a:ext uri="{FF2B5EF4-FFF2-40B4-BE49-F238E27FC236}">
-                <a16:creationId xmlns:a16="http://schemas.microsoft.com/office/drawing/2014/main" id="{F70C43D3-D97D-F399-D460-968191DB7CB0}"/>
-              </a:ext>
-            </a:extLst>
-          </p:cNvPr>
+          <p:cNvPr id="9" name="Slide Number Placeholder 8"/>
           <p:cNvSpPr>
             <a:spLocks noGrp="1"/>
           </p:cNvSpPr>
@@ -1873,7 +2042,7 @@
     </p:spTree>
     <p:extLst>
       <p:ext uri="{BB962C8B-B14F-4D97-AF65-F5344CB8AC3E}">
-        <p14:creationId xmlns:p14="http://schemas.microsoft.com/office/powerpoint/2010/main" val="397358081"/>
+        <p14:creationId xmlns:p14="http://schemas.microsoft.com/office/powerpoint/2010/main" val="3572501460"/>
       </p:ext>
     </p:extLst>
   </p:cSld>
@@ -1902,13 +2071,7 @@
       </p:grpSpPr>
       <p:sp>
         <p:nvSpPr>
-          <p:cNvPr id="2" name="標題 1">
-            <a:extLst>
-              <a:ext uri="{FF2B5EF4-FFF2-40B4-BE49-F238E27FC236}">
-                <a16:creationId xmlns:a16="http://schemas.microsoft.com/office/drawing/2014/main" id="{436A9243-16BA-E6F3-B398-C48DF7F18100}"/>
-              </a:ext>
-            </a:extLst>
-          </p:cNvPr>
+          <p:cNvPr id="2" name="Title 1"/>
           <p:cNvSpPr>
             <a:spLocks noGrp="1"/>
           </p:cNvSpPr>
@@ -1925,18 +2088,13 @@
               <a:rPr lang="zh-TW" altLang="en-US"/>
               <a:t>按一下以編輯母片標題樣式</a:t>
             </a:r>
-          </a:p>
-        </p:txBody>
-      </p:sp>
-      <p:sp>
-        <p:nvSpPr>
-          <p:cNvPr id="3" name="日期版面配置區 2">
-            <a:extLst>
-              <a:ext uri="{FF2B5EF4-FFF2-40B4-BE49-F238E27FC236}">
-                <a16:creationId xmlns:a16="http://schemas.microsoft.com/office/drawing/2014/main" id="{B6478979-F01C-AACE-E2A7-28C89ACCC8B4}"/>
-              </a:ext>
-            </a:extLst>
-          </p:cNvPr>
+            <a:endParaRPr lang="en-US" dirty="0"/>
+          </a:p>
+        </p:txBody>
+      </p:sp>
+      <p:sp>
+        <p:nvSpPr>
+          <p:cNvPr id="3" name="Date Placeholder 2"/>
           <p:cNvSpPr>
             <a:spLocks noGrp="1"/>
           </p:cNvSpPr>
@@ -1951,7 +2109,7 @@
           <a:p>
             <a:fld id="{7330623E-D986-4A55-B024-5517C53FB334}" type="datetimeFigureOut">
               <a:rPr lang="zh-TW" altLang="en-US" smtClean="0"/>
-              <a:t>2025/10/28</a:t>
+              <a:t>2025/11/7</a:t>
             </a:fld>
             <a:endParaRPr lang="zh-TW" altLang="en-US"/>
           </a:p>
@@ -1959,13 +2117,7 @@
       </p:sp>
       <p:sp>
         <p:nvSpPr>
-          <p:cNvPr id="4" name="頁尾版面配置區 3">
-            <a:extLst>
-              <a:ext uri="{FF2B5EF4-FFF2-40B4-BE49-F238E27FC236}">
-                <a16:creationId xmlns:a16="http://schemas.microsoft.com/office/drawing/2014/main" id="{E41E59E6-7782-D9E1-CC6F-EA2969A37003}"/>
-              </a:ext>
-            </a:extLst>
-          </p:cNvPr>
+          <p:cNvPr id="4" name="Footer Placeholder 3"/>
           <p:cNvSpPr>
             <a:spLocks noGrp="1"/>
           </p:cNvSpPr>
@@ -1984,13 +2136,7 @@
       </p:sp>
       <p:sp>
         <p:nvSpPr>
-          <p:cNvPr id="5" name="投影片編號版面配置區 4">
-            <a:extLst>
-              <a:ext uri="{FF2B5EF4-FFF2-40B4-BE49-F238E27FC236}">
-                <a16:creationId xmlns:a16="http://schemas.microsoft.com/office/drawing/2014/main" id="{D641F23D-81B7-3351-808E-4376F3566C9C}"/>
-              </a:ext>
-            </a:extLst>
-          </p:cNvPr>
+          <p:cNvPr id="5" name="Slide Number Placeholder 4"/>
           <p:cNvSpPr>
             <a:spLocks noGrp="1"/>
           </p:cNvSpPr>
@@ -2014,7 +2160,7 @@
     </p:spTree>
     <p:extLst>
       <p:ext uri="{BB962C8B-B14F-4D97-AF65-F5344CB8AC3E}">
-        <p14:creationId xmlns:p14="http://schemas.microsoft.com/office/powerpoint/2010/main" val="217090920"/>
+        <p14:creationId xmlns:p14="http://schemas.microsoft.com/office/powerpoint/2010/main" val="48235875"/>
       </p:ext>
     </p:extLst>
   </p:cSld>
@@ -2043,13 +2189,7 @@
       </p:grpSpPr>
       <p:sp>
         <p:nvSpPr>
-          <p:cNvPr id="2" name="日期版面配置區 1">
-            <a:extLst>
-              <a:ext uri="{FF2B5EF4-FFF2-40B4-BE49-F238E27FC236}">
-                <a16:creationId xmlns:a16="http://schemas.microsoft.com/office/drawing/2014/main" id="{6D832BB7-CEB3-2DB6-F38B-89AD9631BF30}"/>
-              </a:ext>
-            </a:extLst>
-          </p:cNvPr>
+          <p:cNvPr id="2" name="Date Placeholder 1"/>
           <p:cNvSpPr>
             <a:spLocks noGrp="1"/>
           </p:cNvSpPr>
@@ -2064,7 +2204,7 @@
           <a:p>
             <a:fld id="{7330623E-D986-4A55-B024-5517C53FB334}" type="datetimeFigureOut">
               <a:rPr lang="zh-TW" altLang="en-US" smtClean="0"/>
-              <a:t>2025/10/28</a:t>
+              <a:t>2025/11/7</a:t>
             </a:fld>
             <a:endParaRPr lang="zh-TW" altLang="en-US"/>
           </a:p>
@@ -2072,13 +2212,7 @@
       </p:sp>
       <p:sp>
         <p:nvSpPr>
-          <p:cNvPr id="3" name="頁尾版面配置區 2">
-            <a:extLst>
-              <a:ext uri="{FF2B5EF4-FFF2-40B4-BE49-F238E27FC236}">
-                <a16:creationId xmlns:a16="http://schemas.microsoft.com/office/drawing/2014/main" id="{AA31F57D-0357-D7BA-091C-69418AEE1B57}"/>
-              </a:ext>
-            </a:extLst>
-          </p:cNvPr>
+          <p:cNvPr id="3" name="Footer Placeholder 2"/>
           <p:cNvSpPr>
             <a:spLocks noGrp="1"/>
           </p:cNvSpPr>
@@ -2097,13 +2231,7 @@
       </p:sp>
       <p:sp>
         <p:nvSpPr>
-          <p:cNvPr id="4" name="投影片編號版面配置區 3">
-            <a:extLst>
-              <a:ext uri="{FF2B5EF4-FFF2-40B4-BE49-F238E27FC236}">
-                <a16:creationId xmlns:a16="http://schemas.microsoft.com/office/drawing/2014/main" id="{CD9D5A52-EC05-EFDE-06EB-F258143C0978}"/>
-              </a:ext>
-            </a:extLst>
-          </p:cNvPr>
+          <p:cNvPr id="4" name="Slide Number Placeholder 3"/>
           <p:cNvSpPr>
             <a:spLocks noGrp="1"/>
           </p:cNvSpPr>
@@ -2127,7 +2255,7 @@
     </p:spTree>
     <p:extLst>
       <p:ext uri="{BB962C8B-B14F-4D97-AF65-F5344CB8AC3E}">
-        <p14:creationId xmlns:p14="http://schemas.microsoft.com/office/powerpoint/2010/main" val="3802525965"/>
+        <p14:creationId xmlns:p14="http://schemas.microsoft.com/office/powerpoint/2010/main" val="630534020"/>
       </p:ext>
     </p:extLst>
   </p:cSld>
@@ -2156,13 +2284,7 @@
       </p:grpSpPr>
       <p:sp>
         <p:nvSpPr>
-          <p:cNvPr id="2" name="標題 1">
-            <a:extLst>
-              <a:ext uri="{FF2B5EF4-FFF2-40B4-BE49-F238E27FC236}">
-                <a16:creationId xmlns:a16="http://schemas.microsoft.com/office/drawing/2014/main" id="{F92405DE-CE32-6F79-E7D1-809759E635D8}"/>
-              </a:ext>
-            </a:extLst>
-          </p:cNvPr>
+          <p:cNvPr id="2" name="Title 1"/>
           <p:cNvSpPr>
             <a:spLocks noGrp="1"/>
           </p:cNvSpPr>
@@ -2172,15 +2294,15 @@
         </p:nvSpPr>
         <p:spPr>
           <a:xfrm>
-            <a:off x="839788" y="457200"/>
-            <a:ext cx="3932237" cy="1600200"/>
+            <a:off x="616610" y="241300"/>
+            <a:ext cx="2887225" cy="844550"/>
           </a:xfrm>
         </p:spPr>
         <p:txBody>
           <a:bodyPr anchor="b"/>
           <a:lstStyle>
             <a:lvl1pPr>
-              <a:defRPr sz="3200"/>
+              <a:defRPr sz="1689"/>
             </a:lvl1pPr>
           </a:lstStyle>
           <a:p>
@@ -2188,18 +2310,13 @@
               <a:rPr lang="zh-TW" altLang="en-US"/>
               <a:t>按一下以編輯母片標題樣式</a:t>
             </a:r>
-          </a:p>
-        </p:txBody>
-      </p:sp>
-      <p:sp>
-        <p:nvSpPr>
-          <p:cNvPr id="3" name="內容版面配置區 2">
-            <a:extLst>
-              <a:ext uri="{FF2B5EF4-FFF2-40B4-BE49-F238E27FC236}">
-                <a16:creationId xmlns:a16="http://schemas.microsoft.com/office/drawing/2014/main" id="{674EC8A2-3CAE-E972-6AD3-1A2D9CCCDF95}"/>
-              </a:ext>
-            </a:extLst>
-          </p:cNvPr>
+            <a:endParaRPr lang="en-US" dirty="0"/>
+          </a:p>
+        </p:txBody>
+      </p:sp>
+      <p:sp>
+        <p:nvSpPr>
+          <p:cNvPr id="3" name="Content Placeholder 2"/>
           <p:cNvSpPr>
             <a:spLocks noGrp="1"/>
           </p:cNvSpPr>
@@ -2209,39 +2326,39 @@
         </p:nvSpPr>
         <p:spPr>
           <a:xfrm>
-            <a:off x="5183188" y="987425"/>
-            <a:ext cx="6172200" cy="4873625"/>
+            <a:off x="3805729" y="521141"/>
+            <a:ext cx="4531906" cy="2572191"/>
           </a:xfrm>
         </p:spPr>
         <p:txBody>
           <a:bodyPr/>
           <a:lstStyle>
             <a:lvl1pPr>
-              <a:defRPr sz="3200"/>
+              <a:defRPr sz="1689"/>
             </a:lvl1pPr>
             <a:lvl2pPr>
-              <a:defRPr sz="2800"/>
+              <a:defRPr sz="1478"/>
             </a:lvl2pPr>
             <a:lvl3pPr>
-              <a:defRPr sz="2400"/>
+              <a:defRPr sz="1267"/>
             </a:lvl3pPr>
             <a:lvl4pPr>
-              <a:defRPr sz="2000"/>
+              <a:defRPr sz="1056"/>
             </a:lvl4pPr>
             <a:lvl5pPr>
-              <a:defRPr sz="2000"/>
+              <a:defRPr sz="1056"/>
             </a:lvl5pPr>
             <a:lvl6pPr>
-              <a:defRPr sz="2000"/>
+              <a:defRPr sz="1056"/>
             </a:lvl6pPr>
             <a:lvl7pPr>
-              <a:defRPr sz="2000"/>
+              <a:defRPr sz="1056"/>
             </a:lvl7pPr>
             <a:lvl8pPr>
-              <a:defRPr sz="2000"/>
+              <a:defRPr sz="1056"/>
             </a:lvl8pPr>
             <a:lvl9pPr>
-              <a:defRPr sz="2000"/>
+              <a:defRPr sz="1056"/>
             </a:lvl9pPr>
           </a:lstStyle>
           <a:p>
@@ -2278,18 +2395,13 @@
               <a:rPr lang="zh-TW" altLang="en-US"/>
               <a:t>第五層</a:t>
             </a:r>
-          </a:p>
-        </p:txBody>
-      </p:sp>
-      <p:sp>
-        <p:nvSpPr>
-          <p:cNvPr id="4" name="文字版面配置區 3">
-            <a:extLst>
-              <a:ext uri="{FF2B5EF4-FFF2-40B4-BE49-F238E27FC236}">
-                <a16:creationId xmlns:a16="http://schemas.microsoft.com/office/drawing/2014/main" id="{D9A496FB-DC78-BBDF-DEBF-329802B29D91}"/>
-              </a:ext>
-            </a:extLst>
-          </p:cNvPr>
+            <a:endParaRPr lang="en-US" dirty="0"/>
+          </a:p>
+        </p:txBody>
+      </p:sp>
+      <p:sp>
+        <p:nvSpPr>
+          <p:cNvPr id="4" name="Text Placeholder 3"/>
           <p:cNvSpPr>
             <a:spLocks noGrp="1"/>
           </p:cNvSpPr>
@@ -2299,8 +2411,8 @@
         </p:nvSpPr>
         <p:spPr>
           <a:xfrm>
-            <a:off x="839788" y="2057400"/>
-            <a:ext cx="3932237" cy="3811588"/>
+            <a:off x="616610" y="1085850"/>
+            <a:ext cx="2887225" cy="2011671"/>
           </a:xfrm>
         </p:spPr>
         <p:txBody>
@@ -2308,39 +2420,39 @@
           <a:lstStyle>
             <a:lvl1pPr marL="0" indent="0">
               <a:buNone/>
-              <a:defRPr sz="1600"/>
+              <a:defRPr sz="844"/>
             </a:lvl1pPr>
-            <a:lvl2pPr marL="457200" indent="0">
-              <a:buNone/>
-              <a:defRPr sz="1400"/>
+            <a:lvl2pPr marL="241310" indent="0">
+              <a:buNone/>
+              <a:defRPr sz="739"/>
             </a:lvl2pPr>
-            <a:lvl3pPr marL="914400" indent="0">
-              <a:buNone/>
-              <a:defRPr sz="1200"/>
+            <a:lvl3pPr marL="482620" indent="0">
+              <a:buNone/>
+              <a:defRPr sz="633"/>
             </a:lvl3pPr>
-            <a:lvl4pPr marL="1371600" indent="0">
-              <a:buNone/>
-              <a:defRPr sz="1000"/>
+            <a:lvl4pPr marL="723930" indent="0">
+              <a:buNone/>
+              <a:defRPr sz="528"/>
             </a:lvl4pPr>
-            <a:lvl5pPr marL="1828800" indent="0">
-              <a:buNone/>
-              <a:defRPr sz="1000"/>
+            <a:lvl5pPr marL="965241" indent="0">
+              <a:buNone/>
+              <a:defRPr sz="528"/>
             </a:lvl5pPr>
-            <a:lvl6pPr marL="2286000" indent="0">
-              <a:buNone/>
-              <a:defRPr sz="1000"/>
+            <a:lvl6pPr marL="1206551" indent="0">
+              <a:buNone/>
+              <a:defRPr sz="528"/>
             </a:lvl6pPr>
-            <a:lvl7pPr marL="2743200" indent="0">
-              <a:buNone/>
-              <a:defRPr sz="1000"/>
+            <a:lvl7pPr marL="1447861" indent="0">
+              <a:buNone/>
+              <a:defRPr sz="528"/>
             </a:lvl7pPr>
-            <a:lvl8pPr marL="3200400" indent="0">
-              <a:buNone/>
-              <a:defRPr sz="1000"/>
+            <a:lvl8pPr marL="1689171" indent="0">
+              <a:buNone/>
+              <a:defRPr sz="528"/>
             </a:lvl8pPr>
-            <a:lvl9pPr marL="3657600" indent="0">
-              <a:buNone/>
-              <a:defRPr sz="1000"/>
+            <a:lvl9pPr marL="1930481" indent="0">
+              <a:buNone/>
+              <a:defRPr sz="528"/>
             </a:lvl9pPr>
           </a:lstStyle>
           <a:p>
@@ -2354,13 +2466,7 @@
       </p:sp>
       <p:sp>
         <p:nvSpPr>
-          <p:cNvPr id="5" name="日期版面配置區 4">
-            <a:extLst>
-              <a:ext uri="{FF2B5EF4-FFF2-40B4-BE49-F238E27FC236}">
-                <a16:creationId xmlns:a16="http://schemas.microsoft.com/office/drawing/2014/main" id="{2DC1244C-8E2E-57B2-BF81-AB58D56C1302}"/>
-              </a:ext>
-            </a:extLst>
-          </p:cNvPr>
+          <p:cNvPr id="5" name="Date Placeholder 4"/>
           <p:cNvSpPr>
             <a:spLocks noGrp="1"/>
           </p:cNvSpPr>
@@ -2375,7 +2481,7 @@
           <a:p>
             <a:fld id="{7330623E-D986-4A55-B024-5517C53FB334}" type="datetimeFigureOut">
               <a:rPr lang="zh-TW" altLang="en-US" smtClean="0"/>
-              <a:t>2025/10/28</a:t>
+              <a:t>2025/11/7</a:t>
             </a:fld>
             <a:endParaRPr lang="zh-TW" altLang="en-US"/>
           </a:p>
@@ -2383,13 +2489,7 @@
       </p:sp>
       <p:sp>
         <p:nvSpPr>
-          <p:cNvPr id="6" name="頁尾版面配置區 5">
-            <a:extLst>
-              <a:ext uri="{FF2B5EF4-FFF2-40B4-BE49-F238E27FC236}">
-                <a16:creationId xmlns:a16="http://schemas.microsoft.com/office/drawing/2014/main" id="{F4BD2FA0-DFB8-B84D-C337-F2DEBB4CE9B0}"/>
-              </a:ext>
-            </a:extLst>
-          </p:cNvPr>
+          <p:cNvPr id="6" name="Footer Placeholder 5"/>
           <p:cNvSpPr>
             <a:spLocks noGrp="1"/>
           </p:cNvSpPr>
@@ -2408,13 +2508,7 @@
       </p:sp>
       <p:sp>
         <p:nvSpPr>
-          <p:cNvPr id="7" name="投影片編號版面配置區 6">
-            <a:extLst>
-              <a:ext uri="{FF2B5EF4-FFF2-40B4-BE49-F238E27FC236}">
-                <a16:creationId xmlns:a16="http://schemas.microsoft.com/office/drawing/2014/main" id="{8D55F7B6-AEE6-0BA4-0AED-791692F97669}"/>
-              </a:ext>
-            </a:extLst>
-          </p:cNvPr>
+          <p:cNvPr id="7" name="Slide Number Placeholder 6"/>
           <p:cNvSpPr>
             <a:spLocks noGrp="1"/>
           </p:cNvSpPr>
@@ -2438,7 +2532,7 @@
     </p:spTree>
     <p:extLst>
       <p:ext uri="{BB962C8B-B14F-4D97-AF65-F5344CB8AC3E}">
-        <p14:creationId xmlns:p14="http://schemas.microsoft.com/office/powerpoint/2010/main" val="928310907"/>
+        <p14:creationId xmlns:p14="http://schemas.microsoft.com/office/powerpoint/2010/main" val="145300203"/>
       </p:ext>
     </p:extLst>
   </p:cSld>
@@ -2467,13 +2561,7 @@
       </p:grpSpPr>
       <p:sp>
         <p:nvSpPr>
-          <p:cNvPr id="2" name="標題 1">
-            <a:extLst>
-              <a:ext uri="{FF2B5EF4-FFF2-40B4-BE49-F238E27FC236}">
-                <a16:creationId xmlns:a16="http://schemas.microsoft.com/office/drawing/2014/main" id="{ADE1F7D9-A04A-3FFA-59EC-437E36225B6A}"/>
-              </a:ext>
-            </a:extLst>
-          </p:cNvPr>
+          <p:cNvPr id="2" name="Title 1"/>
           <p:cNvSpPr>
             <a:spLocks noGrp="1"/>
           </p:cNvSpPr>
@@ -2483,15 +2571,15 @@
         </p:nvSpPr>
         <p:spPr>
           <a:xfrm>
-            <a:off x="839788" y="457200"/>
-            <a:ext cx="3932237" cy="1600200"/>
+            <a:off x="616610" y="241300"/>
+            <a:ext cx="2887225" cy="844550"/>
           </a:xfrm>
         </p:spPr>
         <p:txBody>
           <a:bodyPr anchor="b"/>
           <a:lstStyle>
             <a:lvl1pPr>
-              <a:defRPr sz="3200"/>
+              <a:defRPr sz="1689"/>
             </a:lvl1pPr>
           </a:lstStyle>
           <a:p>
@@ -2499,20 +2587,15 @@
               <a:rPr lang="zh-TW" altLang="en-US"/>
               <a:t>按一下以編輯母片標題樣式</a:t>
             </a:r>
-          </a:p>
-        </p:txBody>
-      </p:sp>
-      <p:sp>
-        <p:nvSpPr>
-          <p:cNvPr id="3" name="圖片版面配置區 2">
-            <a:extLst>
-              <a:ext uri="{FF2B5EF4-FFF2-40B4-BE49-F238E27FC236}">
-                <a16:creationId xmlns:a16="http://schemas.microsoft.com/office/drawing/2014/main" id="{68ED16D6-32C9-D236-234A-93ABF9C089A1}"/>
-              </a:ext>
-            </a:extLst>
-          </p:cNvPr>
-          <p:cNvSpPr>
-            <a:spLocks noGrp="1"/>
+            <a:endParaRPr lang="en-US" dirty="0"/>
+          </a:p>
+        </p:txBody>
+      </p:sp>
+      <p:sp>
+        <p:nvSpPr>
+          <p:cNvPr id="3" name="Picture Placeholder 2"/>
+          <p:cNvSpPr>
+            <a:spLocks noGrp="1" noChangeAspect="1"/>
           </p:cNvSpPr>
           <p:nvPr>
             <p:ph type="pic" idx="1"/>
@@ -2520,8 +2603,73 @@
         </p:nvSpPr>
         <p:spPr>
           <a:xfrm>
-            <a:off x="5183188" y="987425"/>
-            <a:ext cx="6172200" cy="4873625"/>
+            <a:off x="3805729" y="521141"/>
+            <a:ext cx="4531906" cy="2572191"/>
+          </a:xfrm>
+        </p:spPr>
+        <p:txBody>
+          <a:bodyPr anchor="t"/>
+          <a:lstStyle>
+            <a:lvl1pPr marL="0" indent="0">
+              <a:buNone/>
+              <a:defRPr sz="1689"/>
+            </a:lvl1pPr>
+            <a:lvl2pPr marL="241310" indent="0">
+              <a:buNone/>
+              <a:defRPr sz="1478"/>
+            </a:lvl2pPr>
+            <a:lvl3pPr marL="482620" indent="0">
+              <a:buNone/>
+              <a:defRPr sz="1267"/>
+            </a:lvl3pPr>
+            <a:lvl4pPr marL="723930" indent="0">
+              <a:buNone/>
+              <a:defRPr sz="1056"/>
+            </a:lvl4pPr>
+            <a:lvl5pPr marL="965241" indent="0">
+              <a:buNone/>
+              <a:defRPr sz="1056"/>
+            </a:lvl5pPr>
+            <a:lvl6pPr marL="1206551" indent="0">
+              <a:buNone/>
+              <a:defRPr sz="1056"/>
+            </a:lvl6pPr>
+            <a:lvl7pPr marL="1447861" indent="0">
+              <a:buNone/>
+              <a:defRPr sz="1056"/>
+            </a:lvl7pPr>
+            <a:lvl8pPr marL="1689171" indent="0">
+              <a:buNone/>
+              <a:defRPr sz="1056"/>
+            </a:lvl8pPr>
+            <a:lvl9pPr marL="1930481" indent="0">
+              <a:buNone/>
+              <a:defRPr sz="1056"/>
+            </a:lvl9pPr>
+          </a:lstStyle>
+          <a:p>
+            <a:r>
+              <a:rPr lang="zh-TW" altLang="en-US"/>
+              <a:t>按一下圖示以新增圖片</a:t>
+            </a:r>
+            <a:endParaRPr lang="en-US" dirty="0"/>
+          </a:p>
+        </p:txBody>
+      </p:sp>
+      <p:sp>
+        <p:nvSpPr>
+          <p:cNvPr id="4" name="Text Placeholder 3"/>
+          <p:cNvSpPr>
+            <a:spLocks noGrp="1"/>
+          </p:cNvSpPr>
+          <p:nvPr>
+            <p:ph type="body" sz="half" idx="2"/>
+          </p:nvPr>
+        </p:nvSpPr>
+        <p:spPr>
+          <a:xfrm>
+            <a:off x="616610" y="1085850"/>
+            <a:ext cx="2887225" cy="2011671"/>
           </a:xfrm>
         </p:spPr>
         <p:txBody>
@@ -2529,109 +2677,42 @@
           <a:lstStyle>
             <a:lvl1pPr marL="0" indent="0">
               <a:buNone/>
-              <a:defRPr sz="3200"/>
+              <a:defRPr sz="844"/>
             </a:lvl1pPr>
-            <a:lvl2pPr marL="457200" indent="0">
-              <a:buNone/>
-              <a:defRPr sz="2800"/>
+            <a:lvl2pPr marL="241310" indent="0">
+              <a:buNone/>
+              <a:defRPr sz="739"/>
             </a:lvl2pPr>
-            <a:lvl3pPr marL="914400" indent="0">
-              <a:buNone/>
-              <a:defRPr sz="2400"/>
+            <a:lvl3pPr marL="482620" indent="0">
+              <a:buNone/>
+              <a:defRPr sz="633"/>
             </a:lvl3pPr>
-            <a:lvl4pPr marL="1371600" indent="0">
-              <a:buNone/>
-              <a:defRPr sz="2000"/>
+            <a:lvl4pPr marL="723930" indent="0">
+              <a:buNone/>
+              <a:defRPr sz="528"/>
             </a:lvl4pPr>
-            <a:lvl5pPr marL="1828800" indent="0">
-              <a:buNone/>
-              <a:defRPr sz="2000"/>
+            <a:lvl5pPr marL="965241" indent="0">
+              <a:buNone/>
+              <a:defRPr sz="528"/>
             </a:lvl5pPr>
-            <a:lvl6pPr marL="2286000" indent="0">
-              <a:buNone/>
-              <a:defRPr sz="2000"/>
+            <a:lvl6pPr marL="1206551" indent="0">
+              <a:buNone/>
+              <a:defRPr sz="528"/>
             </a:lvl6pPr>
-            <a:lvl7pPr marL="2743200" indent="0">
-              <a:buNone/>
-              <a:defRPr sz="2000"/>
+            <a:lvl7pPr marL="1447861" indent="0">
+              <a:buNone/>
+              <a:defRPr sz="528"/>
             </a:lvl7pPr>
-            <a:lvl8pPr marL="3200400" indent="0">
-              <a:buNone/>
-              <a:defRPr sz="2000"/>
+            <a:lvl8pPr marL="1689171" indent="0">
+              <a:buNone/>
+              <a:defRPr sz="528"/>
             </a:lvl8pPr>
-            <a:lvl9pPr marL="3657600" indent="0">
-              <a:buNone/>
-              <a:defRPr sz="2000"/>
+            <a:lvl9pPr marL="1930481" indent="0">
+              <a:buNone/>
+              <a:defRPr sz="528"/>
             </a:lvl9pPr>
           </a:lstStyle>
           <a:p>
-            <a:endParaRPr lang="zh-TW" altLang="en-US"/>
-          </a:p>
-        </p:txBody>
-      </p:sp>
-      <p:sp>
-        <p:nvSpPr>
-          <p:cNvPr id="4" name="文字版面配置區 3">
-            <a:extLst>
-              <a:ext uri="{FF2B5EF4-FFF2-40B4-BE49-F238E27FC236}">
-                <a16:creationId xmlns:a16="http://schemas.microsoft.com/office/drawing/2014/main" id="{A5042E11-9222-B1F2-05E4-3162DA1A9384}"/>
-              </a:ext>
-            </a:extLst>
-          </p:cNvPr>
-          <p:cNvSpPr>
-            <a:spLocks noGrp="1"/>
-          </p:cNvSpPr>
-          <p:nvPr>
-            <p:ph type="body" sz="half" idx="2"/>
-          </p:nvPr>
-        </p:nvSpPr>
-        <p:spPr>
-          <a:xfrm>
-            <a:off x="839788" y="2057400"/>
-            <a:ext cx="3932237" cy="3811588"/>
-          </a:xfrm>
-        </p:spPr>
-        <p:txBody>
-          <a:bodyPr/>
-          <a:lstStyle>
-            <a:lvl1pPr marL="0" indent="0">
-              <a:buNone/>
-              <a:defRPr sz="1600"/>
-            </a:lvl1pPr>
-            <a:lvl2pPr marL="457200" indent="0">
-              <a:buNone/>
-              <a:defRPr sz="1400"/>
-            </a:lvl2pPr>
-            <a:lvl3pPr marL="914400" indent="0">
-              <a:buNone/>
-              <a:defRPr sz="1200"/>
-            </a:lvl3pPr>
-            <a:lvl4pPr marL="1371600" indent="0">
-              <a:buNone/>
-              <a:defRPr sz="1000"/>
-            </a:lvl4pPr>
-            <a:lvl5pPr marL="1828800" indent="0">
-              <a:buNone/>
-              <a:defRPr sz="1000"/>
-            </a:lvl5pPr>
-            <a:lvl6pPr marL="2286000" indent="0">
-              <a:buNone/>
-              <a:defRPr sz="1000"/>
-            </a:lvl6pPr>
-            <a:lvl7pPr marL="2743200" indent="0">
-              <a:buNone/>
-              <a:defRPr sz="1000"/>
-            </a:lvl7pPr>
-            <a:lvl8pPr marL="3200400" indent="0">
-              <a:buNone/>
-              <a:defRPr sz="1000"/>
-            </a:lvl8pPr>
-            <a:lvl9pPr marL="3657600" indent="0">
-              <a:buNone/>
-              <a:defRPr sz="1000"/>
-            </a:lvl9pPr>
-          </a:lstStyle>
-          <a:p>
             <a:pPr lvl="0"/>
             <a:r>
               <a:rPr lang="zh-TW" altLang="en-US"/>
@@ -2642,13 +2723,7 @@
       </p:sp>
       <p:sp>
         <p:nvSpPr>
-          <p:cNvPr id="5" name="日期版面配置區 4">
-            <a:extLst>
-              <a:ext uri="{FF2B5EF4-FFF2-40B4-BE49-F238E27FC236}">
-                <a16:creationId xmlns:a16="http://schemas.microsoft.com/office/drawing/2014/main" id="{6851EFBF-8E89-72BC-9649-29EF21EC0880}"/>
-              </a:ext>
-            </a:extLst>
-          </p:cNvPr>
+          <p:cNvPr id="5" name="Date Placeholder 4"/>
           <p:cNvSpPr>
             <a:spLocks noGrp="1"/>
           </p:cNvSpPr>
@@ -2663,7 +2738,7 @@
           <a:p>
             <a:fld id="{7330623E-D986-4A55-B024-5517C53FB334}" type="datetimeFigureOut">
               <a:rPr lang="zh-TW" altLang="en-US" smtClean="0"/>
-              <a:t>2025/10/28</a:t>
+              <a:t>2025/11/7</a:t>
             </a:fld>
             <a:endParaRPr lang="zh-TW" altLang="en-US"/>
           </a:p>
@@ -2671,13 +2746,7 @@
       </p:sp>
       <p:sp>
         <p:nvSpPr>
-          <p:cNvPr id="6" name="頁尾版面配置區 5">
-            <a:extLst>
-              <a:ext uri="{FF2B5EF4-FFF2-40B4-BE49-F238E27FC236}">
-                <a16:creationId xmlns:a16="http://schemas.microsoft.com/office/drawing/2014/main" id="{ED7D2367-69C4-CFAF-77D6-AC505B5576F5}"/>
-              </a:ext>
-            </a:extLst>
-          </p:cNvPr>
+          <p:cNvPr id="6" name="Footer Placeholder 5"/>
           <p:cNvSpPr>
             <a:spLocks noGrp="1"/>
           </p:cNvSpPr>
@@ -2696,13 +2765,7 @@
       </p:sp>
       <p:sp>
         <p:nvSpPr>
-          <p:cNvPr id="7" name="投影片編號版面配置區 6">
-            <a:extLst>
-              <a:ext uri="{FF2B5EF4-FFF2-40B4-BE49-F238E27FC236}">
-                <a16:creationId xmlns:a16="http://schemas.microsoft.com/office/drawing/2014/main" id="{0B6935BD-2161-04C0-1013-11C32C586928}"/>
-              </a:ext>
-            </a:extLst>
-          </p:cNvPr>
+          <p:cNvPr id="7" name="Slide Number Placeholder 6"/>
           <p:cNvSpPr>
             <a:spLocks noGrp="1"/>
           </p:cNvSpPr>
@@ -2726,7 +2789,7 @@
     </p:spTree>
     <p:extLst>
       <p:ext uri="{BB962C8B-B14F-4D97-AF65-F5344CB8AC3E}">
-        <p14:creationId xmlns:p14="http://schemas.microsoft.com/office/powerpoint/2010/main" val="1713350121"/>
+        <p14:creationId xmlns:p14="http://schemas.microsoft.com/office/powerpoint/2010/main" val="3537404971"/>
       </p:ext>
     </p:extLst>
   </p:cSld>
@@ -2760,13 +2823,7 @@
       </p:grpSpPr>
       <p:sp>
         <p:nvSpPr>
-          <p:cNvPr id="2" name="標題版面配置區 1">
-            <a:extLst>
-              <a:ext uri="{FF2B5EF4-FFF2-40B4-BE49-F238E27FC236}">
-                <a16:creationId xmlns:a16="http://schemas.microsoft.com/office/drawing/2014/main" id="{2C435004-DB05-0A57-FF20-0AC2DCF05147}"/>
-              </a:ext>
-            </a:extLst>
-          </p:cNvPr>
+          <p:cNvPr id="2" name="Title Placeholder 1"/>
           <p:cNvSpPr>
             <a:spLocks noGrp="1"/>
           </p:cNvSpPr>
@@ -2776,8 +2833,8 @@
         </p:nvSpPr>
         <p:spPr>
           <a:xfrm>
-            <a:off x="838200" y="365125"/>
-            <a:ext cx="10515600" cy="1325563"/>
+            <a:off x="615444" y="192705"/>
+            <a:ext cx="7721025" cy="699603"/>
           </a:xfrm>
           <a:prstGeom prst="rect">
             <a:avLst/>
@@ -2793,18 +2850,13 @@
               <a:rPr lang="zh-TW" altLang="en-US"/>
               <a:t>按一下以編輯母片標題樣式</a:t>
             </a:r>
-          </a:p>
-        </p:txBody>
-      </p:sp>
-      <p:sp>
-        <p:nvSpPr>
-          <p:cNvPr id="3" name="文字版面配置區 2">
-            <a:extLst>
-              <a:ext uri="{FF2B5EF4-FFF2-40B4-BE49-F238E27FC236}">
-                <a16:creationId xmlns:a16="http://schemas.microsoft.com/office/drawing/2014/main" id="{2E8FFB4F-7396-3BA0-BE78-09BDAEB534A3}"/>
-              </a:ext>
-            </a:extLst>
-          </p:cNvPr>
+            <a:endParaRPr lang="en-US" dirty="0"/>
+          </a:p>
+        </p:txBody>
+      </p:sp>
+      <p:sp>
+        <p:nvSpPr>
+          <p:cNvPr id="3" name="Text Placeholder 2"/>
           <p:cNvSpPr>
             <a:spLocks noGrp="1"/>
           </p:cNvSpPr>
@@ -2814,8 +2866,8 @@
         </p:nvSpPr>
         <p:spPr>
           <a:xfrm>
-            <a:off x="838200" y="1825625"/>
-            <a:ext cx="10515600" cy="4351338"/>
+            <a:off x="615444" y="963524"/>
+            <a:ext cx="7721025" cy="2296540"/>
           </a:xfrm>
           <a:prstGeom prst="rect">
             <a:avLst/>
@@ -2860,18 +2912,13 @@
               <a:rPr lang="zh-TW" altLang="en-US"/>
               <a:t>第五層</a:t>
             </a:r>
-          </a:p>
-        </p:txBody>
-      </p:sp>
-      <p:sp>
-        <p:nvSpPr>
-          <p:cNvPr id="4" name="日期版面配置區 3">
-            <a:extLst>
-              <a:ext uri="{FF2B5EF4-FFF2-40B4-BE49-F238E27FC236}">
-                <a16:creationId xmlns:a16="http://schemas.microsoft.com/office/drawing/2014/main" id="{12618AB1-9EF7-6499-BD81-F434A75C875F}"/>
-              </a:ext>
-            </a:extLst>
-          </p:cNvPr>
+            <a:endParaRPr lang="en-US" dirty="0"/>
+          </a:p>
+        </p:txBody>
+      </p:sp>
+      <p:sp>
+        <p:nvSpPr>
+          <p:cNvPr id="4" name="Date Placeholder 3"/>
           <p:cNvSpPr>
             <a:spLocks noGrp="1"/>
           </p:cNvSpPr>
@@ -2881,8 +2928,8 @@
         </p:nvSpPr>
         <p:spPr>
           <a:xfrm>
-            <a:off x="838200" y="6356350"/>
-            <a:ext cx="2743200" cy="365125"/>
+            <a:off x="615444" y="3354740"/>
+            <a:ext cx="2014180" cy="192705"/>
           </a:xfrm>
           <a:prstGeom prst="rect">
             <a:avLst/>
@@ -2892,7 +2939,7 @@
           <a:bodyPr vert="horz" lIns="91440" tIns="45720" rIns="91440" bIns="45720" rtlCol="0" anchor="ctr"/>
           <a:lstStyle>
             <a:lvl1pPr algn="l">
-              <a:defRPr sz="1200">
+              <a:defRPr sz="633">
                 <a:solidFill>
                   <a:schemeClr val="tx1">
                     <a:tint val="82000"/>
@@ -2904,7 +2951,7 @@
           <a:p>
             <a:fld id="{7330623E-D986-4A55-B024-5517C53FB334}" type="datetimeFigureOut">
               <a:rPr lang="zh-TW" altLang="en-US" smtClean="0"/>
-              <a:t>2025/10/28</a:t>
+              <a:t>2025/11/7</a:t>
             </a:fld>
             <a:endParaRPr lang="zh-TW" altLang="en-US"/>
           </a:p>
@@ -2912,13 +2959,7 @@
       </p:sp>
       <p:sp>
         <p:nvSpPr>
-          <p:cNvPr id="5" name="頁尾版面配置區 4">
-            <a:extLst>
-              <a:ext uri="{FF2B5EF4-FFF2-40B4-BE49-F238E27FC236}">
-                <a16:creationId xmlns:a16="http://schemas.microsoft.com/office/drawing/2014/main" id="{DA0D7BC7-30D3-CE85-729B-B3E88AEC9DBA}"/>
-              </a:ext>
-            </a:extLst>
-          </p:cNvPr>
+          <p:cNvPr id="5" name="Footer Placeholder 4"/>
           <p:cNvSpPr>
             <a:spLocks noGrp="1"/>
           </p:cNvSpPr>
@@ -2928,8 +2969,8 @@
         </p:nvSpPr>
         <p:spPr>
           <a:xfrm>
-            <a:off x="4038600" y="6356350"/>
-            <a:ext cx="4114800" cy="365125"/>
+            <a:off x="2965321" y="3354740"/>
+            <a:ext cx="3021271" cy="192705"/>
           </a:xfrm>
           <a:prstGeom prst="rect">
             <a:avLst/>
@@ -2939,7 +2980,7 @@
           <a:bodyPr vert="horz" lIns="91440" tIns="45720" rIns="91440" bIns="45720" rtlCol="0" anchor="ctr"/>
           <a:lstStyle>
             <a:lvl1pPr algn="ctr">
-              <a:defRPr sz="1200">
+              <a:defRPr sz="633">
                 <a:solidFill>
                   <a:schemeClr val="tx1">
                     <a:tint val="82000"/>
@@ -2955,13 +2996,7 @@
       </p:sp>
       <p:sp>
         <p:nvSpPr>
-          <p:cNvPr id="6" name="投影片編號版面配置區 5">
-            <a:extLst>
-              <a:ext uri="{FF2B5EF4-FFF2-40B4-BE49-F238E27FC236}">
-                <a16:creationId xmlns:a16="http://schemas.microsoft.com/office/drawing/2014/main" id="{26309BF5-C2C0-B341-0262-7B4B08324E89}"/>
-              </a:ext>
-            </a:extLst>
-          </p:cNvPr>
+          <p:cNvPr id="6" name="Slide Number Placeholder 5"/>
           <p:cNvSpPr>
             <a:spLocks noGrp="1"/>
           </p:cNvSpPr>
@@ -2971,8 +3006,8 @@
         </p:nvSpPr>
         <p:spPr>
           <a:xfrm>
-            <a:off x="8610600" y="6356350"/>
-            <a:ext cx="2743200" cy="365125"/>
+            <a:off x="6322289" y="3354740"/>
+            <a:ext cx="2014180" cy="192705"/>
           </a:xfrm>
           <a:prstGeom prst="rect">
             <a:avLst/>
@@ -2982,7 +3017,7 @@
           <a:bodyPr vert="horz" lIns="91440" tIns="45720" rIns="91440" bIns="45720" rtlCol="0" anchor="ctr"/>
           <a:lstStyle>
             <a:lvl1pPr algn="r">
-              <a:defRPr sz="1200">
+              <a:defRPr sz="633">
                 <a:solidFill>
                   <a:schemeClr val="tx1">
                     <a:tint val="82000"/>
@@ -3003,27 +3038,27 @@
     </p:spTree>
     <p:extLst>
       <p:ext uri="{BB962C8B-B14F-4D97-AF65-F5344CB8AC3E}">
-        <p14:creationId xmlns:p14="http://schemas.microsoft.com/office/powerpoint/2010/main" val="3509399418"/>
+        <p14:creationId xmlns:p14="http://schemas.microsoft.com/office/powerpoint/2010/main" val="2569174857"/>
       </p:ext>
     </p:extLst>
   </p:cSld>
   <p:clrMap bg1="lt1" tx1="dk1" bg2="lt2" tx2="dk2" accent1="accent1" accent2="accent2" accent3="accent3" accent4="accent4" accent5="accent5" accent6="accent6" hlink="hlink" folHlink="folHlink"/>
   <p:sldLayoutIdLst>
-    <p:sldLayoutId id="2147483649" r:id="rId1"/>
-    <p:sldLayoutId id="2147483650" r:id="rId2"/>
-    <p:sldLayoutId id="2147483651" r:id="rId3"/>
-    <p:sldLayoutId id="2147483652" r:id="rId4"/>
-    <p:sldLayoutId id="2147483653" r:id="rId5"/>
-    <p:sldLayoutId id="2147483654" r:id="rId6"/>
-    <p:sldLayoutId id="2147483655" r:id="rId7"/>
-    <p:sldLayoutId id="2147483656" r:id="rId8"/>
-    <p:sldLayoutId id="2147483657" r:id="rId9"/>
-    <p:sldLayoutId id="2147483658" r:id="rId10"/>
-    <p:sldLayoutId id="2147483659" r:id="rId11"/>
+    <p:sldLayoutId id="2147483709" r:id="rId1"/>
+    <p:sldLayoutId id="2147483710" r:id="rId2"/>
+    <p:sldLayoutId id="2147483711" r:id="rId3"/>
+    <p:sldLayoutId id="2147483712" r:id="rId4"/>
+    <p:sldLayoutId id="2147483713" r:id="rId5"/>
+    <p:sldLayoutId id="2147483714" r:id="rId6"/>
+    <p:sldLayoutId id="2147483715" r:id="rId7"/>
+    <p:sldLayoutId id="2147483716" r:id="rId8"/>
+    <p:sldLayoutId id="2147483717" r:id="rId9"/>
+    <p:sldLayoutId id="2147483718" r:id="rId10"/>
+    <p:sldLayoutId id="2147483719" r:id="rId11"/>
   </p:sldLayoutIdLst>
   <p:txStyles>
     <p:titleStyle>
-      <a:lvl1pPr algn="l" defTabSz="914400" rtl="0" eaLnBrk="1" latinLnBrk="0" hangingPunct="1">
+      <a:lvl1pPr algn="l" defTabSz="482620" rtl="0" eaLnBrk="1" latinLnBrk="0" hangingPunct="1">
         <a:lnSpc>
           <a:spcPct val="90000"/>
         </a:lnSpc>
@@ -3031,7 +3066,7 @@
           <a:spcPct val="0"/>
         </a:spcBef>
         <a:buNone/>
-        <a:defRPr sz="4400" kern="1200">
+        <a:defRPr sz="2322" kern="1200">
           <a:solidFill>
             <a:schemeClr val="tx1"/>
           </a:solidFill>
@@ -3042,16 +3077,16 @@
       </a:lvl1pPr>
     </p:titleStyle>
     <p:bodyStyle>
-      <a:lvl1pPr marL="228600" indent="-228600" algn="l" defTabSz="914400" rtl="0" eaLnBrk="1" latinLnBrk="0" hangingPunct="1">
+      <a:lvl1pPr marL="120655" indent="-120655" algn="l" defTabSz="482620" rtl="0" eaLnBrk="1" latinLnBrk="0" hangingPunct="1">
         <a:lnSpc>
           <a:spcPct val="90000"/>
         </a:lnSpc>
         <a:spcBef>
-          <a:spcPts val="1000"/>
+          <a:spcPts val="528"/>
         </a:spcBef>
         <a:buFont typeface="Arial" panose="020B0604020202020204" pitchFamily="34" charset="0"/>
         <a:buChar char="•"/>
-        <a:defRPr sz="2800" kern="1200">
+        <a:defRPr sz="1478" kern="1200">
           <a:solidFill>
             <a:schemeClr val="tx1"/>
           </a:solidFill>
@@ -3060,16 +3095,16 @@
           <a:cs typeface="+mn-cs"/>
         </a:defRPr>
       </a:lvl1pPr>
-      <a:lvl2pPr marL="685800" indent="-228600" algn="l" defTabSz="914400" rtl="0" eaLnBrk="1" latinLnBrk="0" hangingPunct="1">
+      <a:lvl2pPr marL="361965" indent="-120655" algn="l" defTabSz="482620" rtl="0" eaLnBrk="1" latinLnBrk="0" hangingPunct="1">
         <a:lnSpc>
           <a:spcPct val="90000"/>
         </a:lnSpc>
         <a:spcBef>
-          <a:spcPts val="500"/>
+          <a:spcPts val="264"/>
         </a:spcBef>
         <a:buFont typeface="Arial" panose="020B0604020202020204" pitchFamily="34" charset="0"/>
         <a:buChar char="•"/>
-        <a:defRPr sz="2400" kern="1200">
+        <a:defRPr sz="1267" kern="1200">
           <a:solidFill>
             <a:schemeClr val="tx1"/>
           </a:solidFill>
@@ -3078,16 +3113,16 @@
           <a:cs typeface="+mn-cs"/>
         </a:defRPr>
       </a:lvl2pPr>
-      <a:lvl3pPr marL="1143000" indent="-228600" algn="l" defTabSz="914400" rtl="0" eaLnBrk="1" latinLnBrk="0" hangingPunct="1">
+      <a:lvl3pPr marL="603275" indent="-120655" algn="l" defTabSz="482620" rtl="0" eaLnBrk="1" latinLnBrk="0" hangingPunct="1">
         <a:lnSpc>
           <a:spcPct val="90000"/>
         </a:lnSpc>
         <a:spcBef>
-          <a:spcPts val="500"/>
+          <a:spcPts val="264"/>
         </a:spcBef>
         <a:buFont typeface="Arial" panose="020B0604020202020204" pitchFamily="34" charset="0"/>
         <a:buChar char="•"/>
-        <a:defRPr sz="2000" kern="1200">
+        <a:defRPr sz="1056" kern="1200">
           <a:solidFill>
             <a:schemeClr val="tx1"/>
           </a:solidFill>
@@ -3096,16 +3131,16 @@
           <a:cs typeface="+mn-cs"/>
         </a:defRPr>
       </a:lvl3pPr>
-      <a:lvl4pPr marL="1600200" indent="-228600" algn="l" defTabSz="914400" rtl="0" eaLnBrk="1" latinLnBrk="0" hangingPunct="1">
+      <a:lvl4pPr marL="844586" indent="-120655" algn="l" defTabSz="482620" rtl="0" eaLnBrk="1" latinLnBrk="0" hangingPunct="1">
         <a:lnSpc>
           <a:spcPct val="90000"/>
         </a:lnSpc>
         <a:spcBef>
-          <a:spcPts val="500"/>
+          <a:spcPts val="264"/>
         </a:spcBef>
         <a:buFont typeface="Arial" panose="020B0604020202020204" pitchFamily="34" charset="0"/>
         <a:buChar char="•"/>
-        <a:defRPr sz="1800" kern="1200">
+        <a:defRPr sz="950" kern="1200">
           <a:solidFill>
             <a:schemeClr val="tx1"/>
           </a:solidFill>
@@ -3114,16 +3149,16 @@
           <a:cs typeface="+mn-cs"/>
         </a:defRPr>
       </a:lvl4pPr>
-      <a:lvl5pPr marL="2057400" indent="-228600" algn="l" defTabSz="914400" rtl="0" eaLnBrk="1" latinLnBrk="0" hangingPunct="1">
+      <a:lvl5pPr marL="1085896" indent="-120655" algn="l" defTabSz="482620" rtl="0" eaLnBrk="1" latinLnBrk="0" hangingPunct="1">
         <a:lnSpc>
           <a:spcPct val="90000"/>
         </a:lnSpc>
         <a:spcBef>
-          <a:spcPts val="500"/>
+          <a:spcPts val="264"/>
         </a:spcBef>
         <a:buFont typeface="Arial" panose="020B0604020202020204" pitchFamily="34" charset="0"/>
         <a:buChar char="•"/>
-        <a:defRPr sz="1800" kern="1200">
+        <a:defRPr sz="950" kern="1200">
           <a:solidFill>
             <a:schemeClr val="tx1"/>
           </a:solidFill>
@@ -3132,16 +3167,16 @@
           <a:cs typeface="+mn-cs"/>
         </a:defRPr>
       </a:lvl5pPr>
-      <a:lvl6pPr marL="2514600" indent="-228600" algn="l" defTabSz="914400" rtl="0" eaLnBrk="1" latinLnBrk="0" hangingPunct="1">
+      <a:lvl6pPr marL="1327206" indent="-120655" algn="l" defTabSz="482620" rtl="0" eaLnBrk="1" latinLnBrk="0" hangingPunct="1">
         <a:lnSpc>
           <a:spcPct val="90000"/>
         </a:lnSpc>
         <a:spcBef>
-          <a:spcPts val="500"/>
+          <a:spcPts val="264"/>
         </a:spcBef>
         <a:buFont typeface="Arial" panose="020B0604020202020204" pitchFamily="34" charset="0"/>
         <a:buChar char="•"/>
-        <a:defRPr sz="1800" kern="1200">
+        <a:defRPr sz="950" kern="1200">
           <a:solidFill>
             <a:schemeClr val="tx1"/>
           </a:solidFill>
@@ -3150,16 +3185,16 @@
           <a:cs typeface="+mn-cs"/>
         </a:defRPr>
       </a:lvl6pPr>
-      <a:lvl7pPr marL="2971800" indent="-228600" algn="l" defTabSz="914400" rtl="0" eaLnBrk="1" latinLnBrk="0" hangingPunct="1">
+      <a:lvl7pPr marL="1568516" indent="-120655" algn="l" defTabSz="482620" rtl="0" eaLnBrk="1" latinLnBrk="0" hangingPunct="1">
         <a:lnSpc>
           <a:spcPct val="90000"/>
         </a:lnSpc>
         <a:spcBef>
-          <a:spcPts val="500"/>
+          <a:spcPts val="264"/>
         </a:spcBef>
         <a:buFont typeface="Arial" panose="020B0604020202020204" pitchFamily="34" charset="0"/>
         <a:buChar char="•"/>
-        <a:defRPr sz="1800" kern="1200">
+        <a:defRPr sz="950" kern="1200">
           <a:solidFill>
             <a:schemeClr val="tx1"/>
           </a:solidFill>
@@ -3168,16 +3203,16 @@
           <a:cs typeface="+mn-cs"/>
         </a:defRPr>
       </a:lvl7pPr>
-      <a:lvl8pPr marL="3429000" indent="-228600" algn="l" defTabSz="914400" rtl="0" eaLnBrk="1" latinLnBrk="0" hangingPunct="1">
+      <a:lvl8pPr marL="1809826" indent="-120655" algn="l" defTabSz="482620" rtl="0" eaLnBrk="1" latinLnBrk="0" hangingPunct="1">
         <a:lnSpc>
           <a:spcPct val="90000"/>
         </a:lnSpc>
         <a:spcBef>
-          <a:spcPts val="500"/>
+          <a:spcPts val="264"/>
         </a:spcBef>
         <a:buFont typeface="Arial" panose="020B0604020202020204" pitchFamily="34" charset="0"/>
         <a:buChar char="•"/>
-        <a:defRPr sz="1800" kern="1200">
+        <a:defRPr sz="950" kern="1200">
           <a:solidFill>
             <a:schemeClr val="tx1"/>
           </a:solidFill>
@@ -3186,16 +3221,16 @@
           <a:cs typeface="+mn-cs"/>
         </a:defRPr>
       </a:lvl8pPr>
-      <a:lvl9pPr marL="3886200" indent="-228600" algn="l" defTabSz="914400" rtl="0" eaLnBrk="1" latinLnBrk="0" hangingPunct="1">
+      <a:lvl9pPr marL="2051136" indent="-120655" algn="l" defTabSz="482620" rtl="0" eaLnBrk="1" latinLnBrk="0" hangingPunct="1">
         <a:lnSpc>
           <a:spcPct val="90000"/>
         </a:lnSpc>
         <a:spcBef>
-          <a:spcPts val="500"/>
+          <a:spcPts val="264"/>
         </a:spcBef>
         <a:buFont typeface="Arial" panose="020B0604020202020204" pitchFamily="34" charset="0"/>
         <a:buChar char="•"/>
-        <a:defRPr sz="1800" kern="1200">
+        <a:defRPr sz="950" kern="1200">
           <a:solidFill>
             <a:schemeClr val="tx1"/>
           </a:solidFill>
@@ -3207,10 +3242,10 @@
     </p:bodyStyle>
     <p:otherStyle>
       <a:defPPr>
-        <a:defRPr lang="zh-TW"/>
+        <a:defRPr lang="en-US"/>
       </a:defPPr>
-      <a:lvl1pPr marL="0" algn="l" defTabSz="914400" rtl="0" eaLnBrk="1" latinLnBrk="0" hangingPunct="1">
-        <a:defRPr sz="1800" kern="1200">
+      <a:lvl1pPr marL="0" algn="l" defTabSz="482620" rtl="0" eaLnBrk="1" latinLnBrk="0" hangingPunct="1">
+        <a:defRPr sz="950" kern="1200">
           <a:solidFill>
             <a:schemeClr val="tx1"/>
           </a:solidFill>
@@ -3219,8 +3254,8 @@
           <a:cs typeface="+mn-cs"/>
         </a:defRPr>
       </a:lvl1pPr>
-      <a:lvl2pPr marL="457200" algn="l" defTabSz="914400" rtl="0" eaLnBrk="1" latinLnBrk="0" hangingPunct="1">
-        <a:defRPr sz="1800" kern="1200">
+      <a:lvl2pPr marL="241310" algn="l" defTabSz="482620" rtl="0" eaLnBrk="1" latinLnBrk="0" hangingPunct="1">
+        <a:defRPr sz="950" kern="1200">
           <a:solidFill>
             <a:schemeClr val="tx1"/>
           </a:solidFill>
@@ -3229,8 +3264,8 @@
           <a:cs typeface="+mn-cs"/>
         </a:defRPr>
       </a:lvl2pPr>
-      <a:lvl3pPr marL="914400" algn="l" defTabSz="914400" rtl="0" eaLnBrk="1" latinLnBrk="0" hangingPunct="1">
-        <a:defRPr sz="1800" kern="1200">
+      <a:lvl3pPr marL="482620" algn="l" defTabSz="482620" rtl="0" eaLnBrk="1" latinLnBrk="0" hangingPunct="1">
+        <a:defRPr sz="950" kern="1200">
           <a:solidFill>
             <a:schemeClr val="tx1"/>
           </a:solidFill>
@@ -3239,8 +3274,8 @@
           <a:cs typeface="+mn-cs"/>
         </a:defRPr>
       </a:lvl3pPr>
-      <a:lvl4pPr marL="1371600" algn="l" defTabSz="914400" rtl="0" eaLnBrk="1" latinLnBrk="0" hangingPunct="1">
-        <a:defRPr sz="1800" kern="1200">
+      <a:lvl4pPr marL="723930" algn="l" defTabSz="482620" rtl="0" eaLnBrk="1" latinLnBrk="0" hangingPunct="1">
+        <a:defRPr sz="950" kern="1200">
           <a:solidFill>
             <a:schemeClr val="tx1"/>
           </a:solidFill>
@@ -3249,8 +3284,8 @@
           <a:cs typeface="+mn-cs"/>
         </a:defRPr>
       </a:lvl4pPr>
-      <a:lvl5pPr marL="1828800" algn="l" defTabSz="914400" rtl="0" eaLnBrk="1" latinLnBrk="0" hangingPunct="1">
-        <a:defRPr sz="1800" kern="1200">
+      <a:lvl5pPr marL="965241" algn="l" defTabSz="482620" rtl="0" eaLnBrk="1" latinLnBrk="0" hangingPunct="1">
+        <a:defRPr sz="950" kern="1200">
           <a:solidFill>
             <a:schemeClr val="tx1"/>
           </a:solidFill>
@@ -3259,8 +3294,8 @@
           <a:cs typeface="+mn-cs"/>
         </a:defRPr>
       </a:lvl5pPr>
-      <a:lvl6pPr marL="2286000" algn="l" defTabSz="914400" rtl="0" eaLnBrk="1" latinLnBrk="0" hangingPunct="1">
-        <a:defRPr sz="1800" kern="1200">
+      <a:lvl6pPr marL="1206551" algn="l" defTabSz="482620" rtl="0" eaLnBrk="1" latinLnBrk="0" hangingPunct="1">
+        <a:defRPr sz="950" kern="1200">
           <a:solidFill>
             <a:schemeClr val="tx1"/>
           </a:solidFill>
@@ -3269,8 +3304,8 @@
           <a:cs typeface="+mn-cs"/>
         </a:defRPr>
       </a:lvl6pPr>
-      <a:lvl7pPr marL="2743200" algn="l" defTabSz="914400" rtl="0" eaLnBrk="1" latinLnBrk="0" hangingPunct="1">
-        <a:defRPr sz="1800" kern="1200">
+      <a:lvl7pPr marL="1447861" algn="l" defTabSz="482620" rtl="0" eaLnBrk="1" latinLnBrk="0" hangingPunct="1">
+        <a:defRPr sz="950" kern="1200">
           <a:solidFill>
             <a:schemeClr val="tx1"/>
           </a:solidFill>
@@ -3279,8 +3314,8 @@
           <a:cs typeface="+mn-cs"/>
         </a:defRPr>
       </a:lvl7pPr>
-      <a:lvl8pPr marL="3200400" algn="l" defTabSz="914400" rtl="0" eaLnBrk="1" latinLnBrk="0" hangingPunct="1">
-        <a:defRPr sz="1800" kern="1200">
+      <a:lvl8pPr marL="1689171" algn="l" defTabSz="482620" rtl="0" eaLnBrk="1" latinLnBrk="0" hangingPunct="1">
+        <a:defRPr sz="950" kern="1200">
           <a:solidFill>
             <a:schemeClr val="tx1"/>
           </a:solidFill>
@@ -3289,8 +3324,8 @@
           <a:cs typeface="+mn-cs"/>
         </a:defRPr>
       </a:lvl8pPr>
-      <a:lvl9pPr marL="3657600" algn="l" defTabSz="914400" rtl="0" eaLnBrk="1" latinLnBrk="0" hangingPunct="1">
-        <a:defRPr sz="1800" kern="1200">
+      <a:lvl9pPr marL="1930481" algn="l" defTabSz="482620" rtl="0" eaLnBrk="1" latinLnBrk="0" hangingPunct="1">
+        <a:defRPr sz="950" kern="1200">
           <a:solidFill>
             <a:schemeClr val="tx1"/>
           </a:solidFill>
@@ -3341,8 +3376,8 @@
         </p:nvSpPr>
         <p:spPr>
           <a:xfrm>
-            <a:off x="1727199" y="1976582"/>
-            <a:ext cx="2972194" cy="1117600"/>
+            <a:off x="759318" y="1242415"/>
+            <a:ext cx="2380019" cy="894931"/>
           </a:xfrm>
           <a:prstGeom prst="rect">
             <a:avLst/>
@@ -3373,17 +3408,17 @@
           <a:p>
             <a:pPr algn="ctr"/>
             <a:r>
-              <a:rPr lang="en-US" altLang="zh-TW" dirty="0"/>
+              <a:rPr lang="en-US" altLang="zh-TW" sz="1441" dirty="0"/>
               <a:t>Convex Optimization </a:t>
             </a:r>
           </a:p>
           <a:p>
             <a:pPr algn="ctr"/>
             <a:r>
-              <a:rPr lang="en-US" altLang="zh-TW" dirty="0"/>
-              <a:t>On eq.(4.10) without (4.10d)</a:t>
-            </a:r>
-            <a:endParaRPr lang="zh-TW" altLang="en-US" dirty="0"/>
+              <a:rPr lang="en-US" altLang="zh-TW" sz="1441" dirty="0"/>
+              <a:t>On eq.(4.8) without (4.8d)</a:t>
+            </a:r>
+            <a:endParaRPr lang="zh-TW" altLang="en-US" sz="1441" dirty="0"/>
           </a:p>
         </p:txBody>
       </p:sp>
@@ -3401,8 +3436,8 @@
         </p:nvSpPr>
         <p:spPr>
           <a:xfrm>
-            <a:off x="8469747" y="1976582"/>
-            <a:ext cx="2623126" cy="1117600"/>
+            <a:off x="6158493" y="1242415"/>
+            <a:ext cx="2100499" cy="894931"/>
           </a:xfrm>
           <a:prstGeom prst="rect">
             <a:avLst/>
@@ -3433,17 +3468,21 @@
           <a:p>
             <a:pPr algn="ctr"/>
             <a:r>
-              <a:rPr lang="en-US" altLang="zh-TW" dirty="0"/>
+              <a:rPr lang="en-US" altLang="zh-TW" sz="1441" dirty="0"/>
               <a:t>Sequential quadratic programming</a:t>
             </a:r>
           </a:p>
           <a:p>
             <a:pPr algn="ctr"/>
             <a:r>
-              <a:rPr lang="en-US" altLang="zh-TW" dirty="0"/>
-              <a:t>On eq.(4.11)</a:t>
-            </a:r>
-            <a:endParaRPr lang="zh-TW" altLang="en-US" dirty="0"/>
+              <a:rPr lang="en-US" altLang="zh-TW" sz="1441" dirty="0"/>
+              <a:t>On eq</a:t>
+            </a:r>
+            <a:r>
+              <a:rPr lang="en-US" altLang="zh-TW" sz="1441"/>
+              <a:t>.(4.9)</a:t>
+            </a:r>
+            <a:endParaRPr lang="zh-TW" altLang="en-US" sz="1441" dirty="0"/>
           </a:p>
         </p:txBody>
       </p:sp>
@@ -3464,8 +3503,8 @@
         </p:nvCxnSpPr>
         <p:spPr>
           <a:xfrm>
-            <a:off x="4699393" y="2535382"/>
-            <a:ext cx="1449185" cy="0"/>
+            <a:off x="3139334" y="1689876"/>
+            <a:ext cx="1160452" cy="0"/>
           </a:xfrm>
           <a:prstGeom prst="straightConnector1">
             <a:avLst/>
@@ -3492,8 +3531,8 @@
           </a:fontRef>
         </p:style>
       </p:cxnSp>
-      <mc:AlternateContent xmlns:mc="http://schemas.openxmlformats.org/markup-compatibility/2006">
-        <mc:Choice xmlns:a14="http://schemas.microsoft.com/office/drawing/2010/main" Requires="a14">
+      <mc:AlternateContent xmlns:mc="http://schemas.openxmlformats.org/markup-compatibility/2006" xmlns:a14="http://schemas.microsoft.com/office/drawing/2010/main">
+        <mc:Choice Requires="a14">
           <p:sp>
             <p:nvSpPr>
               <p:cNvPr id="8" name="文字方塊 7">
@@ -3508,8 +3547,8 @@
             </p:nvSpPr>
             <p:spPr>
               <a:xfrm>
-                <a:off x="4699399" y="2071316"/>
-                <a:ext cx="1449179" cy="369332"/>
+                <a:off x="3139343" y="1318270"/>
+                <a:ext cx="1198149" cy="314060"/>
               </a:xfrm>
               <a:prstGeom prst="rect">
                 <a:avLst/>
@@ -3523,31 +3562,31 @@
               <a:lstStyle/>
               <a:p>
                 <a:r>
-                  <a:rPr lang="en-US" altLang="zh-TW" dirty="0"/>
+                  <a:rPr lang="en-US" altLang="zh-TW" sz="1441" dirty="0"/>
                   <a:t>Optimized </a:t>
                 </a:r>
                 <a14:m>
                   <m:oMath xmlns:m="http://schemas.openxmlformats.org/officeDocument/2006/math">
                     <m:r>
-                      <a:rPr lang="en-US" altLang="zh-TW" b="0" i="1" smtClean="0">
+                      <a:rPr lang="en-US" altLang="zh-TW" sz="1441" i="1">
                         <a:latin typeface="Cambria Math" panose="02040503050406030204" pitchFamily="18" charset="0"/>
                       </a:rPr>
                       <m:t>𝜃</m:t>
                     </m:r>
                     <m:r>
-                      <a:rPr lang="en-US" altLang="zh-TW" b="0" i="1" smtClean="0">
+                      <a:rPr lang="en-US" altLang="zh-TW" sz="1441" i="1">
                         <a:latin typeface="Cambria Math" panose="02040503050406030204" pitchFamily="18" charset="0"/>
                       </a:rPr>
                       <m:t>′</m:t>
                     </m:r>
                   </m:oMath>
                 </a14:m>
-                <a:endParaRPr lang="zh-TW" altLang="en-US" dirty="0"/>
+                <a:endParaRPr lang="zh-TW" altLang="en-US" sz="1441" dirty="0"/>
               </a:p>
             </p:txBody>
           </p:sp>
         </mc:Choice>
-        <mc:Fallback>
+        <mc:Fallback xmlns="">
           <p:sp>
             <p:nvSpPr>
               <p:cNvPr id="8" name="文字方塊 7">
@@ -3564,8 +3603,8 @@
             </p:nvSpPr>
             <p:spPr>
               <a:xfrm>
-                <a:off x="4699399" y="2071316"/>
-                <a:ext cx="1449179" cy="369332"/>
+                <a:off x="3139343" y="1318270"/>
+                <a:ext cx="1198149" cy="314060"/>
               </a:xfrm>
               <a:prstGeom prst="rect">
                 <a:avLst/>
@@ -3573,7 +3612,7 @@
               <a:blipFill>
                 <a:blip r:embed="rId2"/>
                 <a:stretch>
-                  <a:fillRect l="-3782" t="-8333" b="-28333"/>
+                  <a:fillRect l="-2030" t="-3846" b="-19231"/>
                 </a:stretch>
               </a:blipFill>
             </p:spPr>
@@ -3609,8 +3648,8 @@
         </p:nvCxnSpPr>
         <p:spPr>
           <a:xfrm>
-            <a:off x="11092873" y="2535382"/>
-            <a:ext cx="678874" cy="0"/>
+            <a:off x="8258987" y="1689876"/>
+            <a:ext cx="543616" cy="0"/>
           </a:xfrm>
           <a:prstGeom prst="line">
             <a:avLst/>
@@ -3652,8 +3691,8 @@
         </p:nvCxnSpPr>
         <p:spPr>
           <a:xfrm>
-            <a:off x="11753274" y="2535382"/>
-            <a:ext cx="0" cy="1787236"/>
+            <a:off x="8787811" y="1689876"/>
+            <a:ext cx="0" cy="1431150"/>
           </a:xfrm>
           <a:prstGeom prst="line">
             <a:avLst/>
@@ -3695,8 +3734,8 @@
         </p:nvCxnSpPr>
         <p:spPr>
           <a:xfrm>
-            <a:off x="1099127" y="4322618"/>
-            <a:ext cx="10654147" cy="0"/>
+            <a:off x="256378" y="3121026"/>
+            <a:ext cx="8531434" cy="0"/>
           </a:xfrm>
           <a:prstGeom prst="line">
             <a:avLst/>
@@ -3738,8 +3777,8 @@
         </p:nvCxnSpPr>
         <p:spPr>
           <a:xfrm>
-            <a:off x="1099127" y="2535382"/>
-            <a:ext cx="0" cy="1787236"/>
+            <a:off x="256377" y="1689876"/>
+            <a:ext cx="0" cy="1431150"/>
           </a:xfrm>
           <a:prstGeom prst="line">
             <a:avLst/>
@@ -3782,8 +3821,8 @@
         </p:nvCxnSpPr>
         <p:spPr>
           <a:xfrm>
-            <a:off x="1099127" y="2535382"/>
-            <a:ext cx="628072" cy="0"/>
+            <a:off x="256377" y="1689876"/>
+            <a:ext cx="502936" cy="0"/>
           </a:xfrm>
           <a:prstGeom prst="straightConnector1">
             <a:avLst/>
@@ -3810,8 +3849,8 @@
           </a:fontRef>
         </p:style>
       </p:cxnSp>
-      <mc:AlternateContent xmlns:mc="http://schemas.openxmlformats.org/markup-compatibility/2006">
-        <mc:Choice xmlns:a14="http://schemas.microsoft.com/office/drawing/2010/main" Requires="a14">
+      <mc:AlternateContent xmlns:mc="http://schemas.openxmlformats.org/markup-compatibility/2006" xmlns:a14="http://schemas.microsoft.com/office/drawing/2010/main">
+        <mc:Choice Requires="a14">
           <p:sp>
             <p:nvSpPr>
               <p:cNvPr id="23" name="文字方塊 22">
@@ -3826,8 +3865,8 @@
             </p:nvSpPr>
             <p:spPr>
               <a:xfrm>
-                <a:off x="5641508" y="4322618"/>
-                <a:ext cx="1408334" cy="369332"/>
+                <a:off x="3893747" y="3121026"/>
+                <a:ext cx="1164165" cy="314060"/>
               </a:xfrm>
               <a:prstGeom prst="rect">
                 <a:avLst/>
@@ -3841,25 +3880,25 @@
               <a:lstStyle/>
               <a:p>
                 <a:r>
-                  <a:rPr lang="en-US" altLang="zh-TW" dirty="0"/>
+                  <a:rPr lang="en-US" altLang="zh-TW" sz="1441" dirty="0"/>
                   <a:t>Optimized </a:t>
                 </a:r>
                 <a14:m>
                   <m:oMath xmlns:m="http://schemas.openxmlformats.org/officeDocument/2006/math">
                     <m:r>
-                      <a:rPr lang="en-US" altLang="zh-TW" b="0" i="1" smtClean="0">
+                      <a:rPr lang="en-US" altLang="zh-TW" sz="1441" i="1">
                         <a:latin typeface="Cambria Math" panose="02040503050406030204" pitchFamily="18" charset="0"/>
                       </a:rPr>
                       <m:t>𝑃</m:t>
                     </m:r>
                   </m:oMath>
                 </a14:m>
-                <a:endParaRPr lang="zh-TW" altLang="en-US" dirty="0"/>
+                <a:endParaRPr lang="zh-TW" altLang="en-US" sz="1441" dirty="0"/>
               </a:p>
             </p:txBody>
           </p:sp>
         </mc:Choice>
-        <mc:Fallback>
+        <mc:Fallback xmlns="">
           <p:sp>
             <p:nvSpPr>
               <p:cNvPr id="23" name="文字方塊 22">
@@ -3876,8 +3915,8 @@
             </p:nvSpPr>
             <p:spPr>
               <a:xfrm>
-                <a:off x="5641508" y="4322618"/>
-                <a:ext cx="1408334" cy="369332"/>
+                <a:off x="3893747" y="3121026"/>
+                <a:ext cx="1164165" cy="314060"/>
               </a:xfrm>
               <a:prstGeom prst="rect">
                 <a:avLst/>
@@ -3885,7 +3924,7 @@
               <a:blipFill>
                 <a:blip r:embed="rId3"/>
                 <a:stretch>
-                  <a:fillRect l="-3463" t="-6557" b="-26230"/>
+                  <a:fillRect l="-2094" t="-3922" b="-21569"/>
                 </a:stretch>
               </a:blipFill>
             </p:spPr>
@@ -3904,8 +3943,8 @@
           </p:sp>
         </mc:Fallback>
       </mc:AlternateContent>
-      <mc:AlternateContent xmlns:mc="http://schemas.openxmlformats.org/markup-compatibility/2006">
-        <mc:Choice xmlns:a14="http://schemas.microsoft.com/office/drawing/2010/main" Requires="a14">
+      <mc:AlternateContent xmlns:mc="http://schemas.openxmlformats.org/markup-compatibility/2006" xmlns:a14="http://schemas.microsoft.com/office/drawing/2010/main">
+        <mc:Choice Requires="a14">
           <p:sp>
             <p:nvSpPr>
               <p:cNvPr id="24" name="文字方塊 23">
@@ -3920,8 +3959,8 @@
             </p:nvSpPr>
             <p:spPr>
               <a:xfrm>
-                <a:off x="1030638" y="545053"/>
-                <a:ext cx="2224391" cy="646331"/>
+                <a:off x="181665" y="96096"/>
+                <a:ext cx="1820948" cy="535788"/>
               </a:xfrm>
               <a:prstGeom prst="rect">
                 <a:avLst/>
@@ -3936,7 +3975,7 @@
               <a:p>
                 <a:pPr algn="ctr"/>
                 <a:r>
-                  <a:rPr lang="en-US" altLang="zh-TW" dirty="0"/>
+                  <a:rPr lang="en-US" altLang="zh-TW" sz="1441" dirty="0"/>
                   <a:t>Initial </a:t>
                 </a:r>
                 <a14:m>
@@ -3945,39 +3984,39 @@
                       <m:rPr>
                         <m:sty m:val="p"/>
                       </m:rPr>
-                      <a:rPr lang="en-US" altLang="zh-TW" b="0" i="0" smtClean="0">
+                      <a:rPr lang="en-US" altLang="zh-TW" sz="1441">
                         <a:latin typeface="Cambria Math" panose="02040503050406030204" pitchFamily="18" charset="0"/>
                       </a:rPr>
                       <m:t>P</m:t>
                     </m:r>
                     <m:r>
-                      <a:rPr lang="en-US" altLang="zh-TW" b="0" i="0" smtClean="0">
+                      <a:rPr lang="en-US" altLang="zh-TW" sz="1441">
                         <a:latin typeface="Cambria Math" panose="02040503050406030204" pitchFamily="18" charset="0"/>
                       </a:rPr>
                       <m:t>,</m:t>
                     </m:r>
                     <m:r>
-                      <a:rPr lang="en-US" altLang="zh-TW" b="0" i="1" smtClean="0">
+                      <a:rPr lang="en-US" altLang="zh-TW" sz="1441" i="1">
                         <a:latin typeface="Cambria Math" panose="02040503050406030204" pitchFamily="18" charset="0"/>
                       </a:rPr>
                       <m:t>𝜃</m:t>
                     </m:r>
                   </m:oMath>
                 </a14:m>
-                <a:endParaRPr lang="en-US" altLang="zh-TW" dirty="0"/>
+                <a:endParaRPr lang="en-US" altLang="zh-TW" sz="1441" dirty="0"/>
               </a:p>
               <a:p>
                 <a:pPr algn="ctr"/>
                 <a:r>
-                  <a:rPr lang="en-US" altLang="zh-TW" dirty="0"/>
+                  <a:rPr lang="en-US" altLang="zh-TW" sz="1441" dirty="0"/>
                   <a:t>(distributed equally) </a:t>
                 </a:r>
-                <a:endParaRPr lang="zh-TW" altLang="en-US" dirty="0"/>
+                <a:endParaRPr lang="zh-TW" altLang="en-US" sz="1441" dirty="0"/>
               </a:p>
             </p:txBody>
           </p:sp>
         </mc:Choice>
-        <mc:Fallback>
+        <mc:Fallback xmlns="">
           <p:sp>
             <p:nvSpPr>
               <p:cNvPr id="24" name="文字方塊 23">
@@ -3994,8 +4033,8 @@
             </p:nvSpPr>
             <p:spPr>
               <a:xfrm>
-                <a:off x="1030638" y="545053"/>
-                <a:ext cx="2224391" cy="646331"/>
+                <a:off x="181665" y="96096"/>
+                <a:ext cx="1820948" cy="535788"/>
               </a:xfrm>
               <a:prstGeom prst="rect">
                 <a:avLst/>
@@ -4003,7 +4042,7 @@
               <a:blipFill>
                 <a:blip r:embed="rId4"/>
                 <a:stretch>
-                  <a:fillRect l="-1644" t="-3774" r="-274" b="-15094"/>
+                  <a:fillRect l="-1003" t="-2273" r="-334" b="-11364"/>
                 </a:stretch>
               </a:blipFill>
             </p:spPr>
@@ -4039,8 +4078,8 @@
         </p:nvCxnSpPr>
         <p:spPr>
           <a:xfrm flipH="1">
-            <a:off x="2142833" y="1191384"/>
-            <a:ext cx="1" cy="785198"/>
+            <a:off x="1092143" y="631889"/>
+            <a:ext cx="1" cy="610527"/>
           </a:xfrm>
           <a:prstGeom prst="straightConnector1">
             <a:avLst/>
@@ -4064,8 +4103,8 @@
           </a:fontRef>
         </p:style>
       </p:cxnSp>
-      <mc:AlternateContent xmlns:mc="http://schemas.openxmlformats.org/markup-compatibility/2006">
-        <mc:Choice xmlns:a14="http://schemas.microsoft.com/office/drawing/2010/main" Requires="a14">
+      <mc:AlternateContent xmlns:mc="http://schemas.openxmlformats.org/markup-compatibility/2006" xmlns:a14="http://schemas.microsoft.com/office/drawing/2010/main">
+        <mc:Choice Requires="a14">
           <p:sp>
             <p:nvSpPr>
               <p:cNvPr id="6" name="文字方塊 5">
@@ -4080,8 +4119,8 @@
             </p:nvSpPr>
             <p:spPr>
               <a:xfrm>
-                <a:off x="2980150" y="1168401"/>
-                <a:ext cx="3571620" cy="369332"/>
+                <a:off x="1916850" y="157158"/>
+                <a:ext cx="1728871" cy="757515"/>
               </a:xfrm>
               <a:prstGeom prst="rect">
                 <a:avLst/>
@@ -4096,34 +4135,50 @@
               <a:p>
                 <a:pPr algn="ctr"/>
                 <a:r>
-                  <a:rPr lang="en-US" altLang="zh-TW" dirty="0"/>
+                  <a:rPr lang="en-US" altLang="zh-TW" sz="1441" dirty="0"/>
                   <a:t>Objective Function </a:t>
                 </a:r>
+                <a:endParaRPr lang="en-US" altLang="zh-TW" sz="1441" i="1" dirty="0">
+                  <a:latin typeface="Cambria Math" panose="02040503050406030204" pitchFamily="18" charset="0"/>
+                  <a:ea typeface="Cambria Math" panose="02040503050406030204" pitchFamily="18" charset="0"/>
+                </a:endParaRPr>
+              </a:p>
+              <a:p>
+                <a:pPr algn="ctr"/>
                 <a14:m>
-                  <m:oMath xmlns:m="http://schemas.openxmlformats.org/officeDocument/2006/math">
-                    <m:r>
-                      <a:rPr lang="en-US" altLang="zh-TW" i="1" smtClean="0">
-                        <a:latin typeface="Cambria Math" panose="02040503050406030204" pitchFamily="18" charset="0"/>
-                        <a:ea typeface="Cambria Math" panose="02040503050406030204" pitchFamily="18" charset="0"/>
-                      </a:rPr>
-                      <m:t>≈</m:t>
-                    </m:r>
-                  </m:oMath>
+                  <m:oMathPara xmlns:m="http://schemas.openxmlformats.org/officeDocument/2006/math">
+                    <m:oMathParaPr>
+                      <m:jc m:val="centerGroup"/>
+                    </m:oMathParaPr>
+                    <m:oMath xmlns:m="http://schemas.openxmlformats.org/officeDocument/2006/math">
+                      <m:r>
+                        <a:rPr lang="en-US" altLang="zh-TW" sz="1441" i="1">
+                          <a:latin typeface="Cambria Math" panose="02040503050406030204" pitchFamily="18" charset="0"/>
+                          <a:ea typeface="Cambria Math" panose="02040503050406030204" pitchFamily="18" charset="0"/>
+                        </a:rPr>
+                        <m:t>≈</m:t>
+                      </m:r>
+                    </m:oMath>
+                  </m:oMathPara>
                 </a14:m>
+                <a:endParaRPr lang="en-US" altLang="zh-TW" sz="1441" dirty="0"/>
+              </a:p>
+              <a:p>
+                <a:pPr algn="ctr"/>
                 <a:r>
-                  <a:rPr lang="zh-TW" altLang="en-US" dirty="0"/>
+                  <a:rPr lang="zh-TW" altLang="en-US" sz="1441" dirty="0"/>
                   <a:t> </a:t>
                 </a:r>
                 <a:r>
-                  <a:rPr lang="en-US" altLang="zh-TW" dirty="0"/>
+                  <a:rPr lang="en-US" altLang="zh-TW" sz="1441" dirty="0"/>
                   <a:t>Taylor Series</a:t>
                 </a:r>
-                <a:endParaRPr lang="zh-TW" altLang="en-US" dirty="0"/>
+                <a:endParaRPr lang="zh-TW" altLang="en-US" sz="1441" dirty="0"/>
               </a:p>
             </p:txBody>
           </p:sp>
         </mc:Choice>
-        <mc:Fallback>
+        <mc:Fallback xmlns="">
           <p:sp>
             <p:nvSpPr>
               <p:cNvPr id="6" name="文字方塊 5">
@@ -4140,8 +4195,8 @@
             </p:nvSpPr>
             <p:spPr>
               <a:xfrm>
-                <a:off x="2980150" y="1168401"/>
-                <a:ext cx="3571620" cy="369332"/>
+                <a:off x="1916850" y="157158"/>
+                <a:ext cx="1728871" cy="757515"/>
               </a:xfrm>
               <a:prstGeom prst="rect">
                 <a:avLst/>
@@ -4149,7 +4204,7 @@
               <a:blipFill>
                 <a:blip r:embed="rId5"/>
                 <a:stretch>
-                  <a:fillRect l="-1195" t="-8333" r="-1024" b="-28333"/>
+                  <a:fillRect l="-704" t="-1613" r="-704" b="-8065"/>
                 </a:stretch>
               </a:blipFill>
             </p:spPr>
@@ -4179,13 +4234,14 @@
           </p:cNvPr>
           <p:cNvCxnSpPr>
             <a:cxnSpLocks/>
+            <a:stCxn id="6" idx="2"/>
           </p:cNvCxnSpPr>
           <p:nvPr/>
         </p:nvCxnSpPr>
         <p:spPr>
-          <a:xfrm>
-            <a:off x="4020533" y="1537733"/>
-            <a:ext cx="0" cy="438849"/>
+          <a:xfrm flipH="1">
+            <a:off x="2781279" y="914673"/>
+            <a:ext cx="2" cy="327743"/>
           </a:xfrm>
           <a:prstGeom prst="straightConnector1">
             <a:avLst/>
@@ -4209,8 +4265,8 @@
           </a:fontRef>
         </p:style>
       </p:cxnSp>
-      <mc:AlternateContent xmlns:mc="http://schemas.openxmlformats.org/markup-compatibility/2006">
-        <mc:Choice xmlns:a14="http://schemas.microsoft.com/office/drawing/2010/main" Requires="a14">
+      <mc:AlternateContent xmlns:mc="http://schemas.openxmlformats.org/markup-compatibility/2006" xmlns:a14="http://schemas.microsoft.com/office/drawing/2010/main">
+        <mc:Choice Requires="a14">
           <p:sp>
             <p:nvSpPr>
               <p:cNvPr id="19" name="矩形 18">
@@ -4225,8 +4281,8 @@
             </p:nvSpPr>
             <p:spPr>
               <a:xfrm>
-                <a:off x="6157953" y="1976583"/>
-                <a:ext cx="1632919" cy="1117600"/>
+                <a:off x="4307298" y="1242416"/>
+                <a:ext cx="1307579" cy="894931"/>
               </a:xfrm>
               <a:prstGeom prst="rect">
                 <a:avLst/>
@@ -4263,25 +4319,25 @@
                     </m:oMathParaPr>
                     <m:oMath xmlns:m="http://schemas.openxmlformats.org/officeDocument/2006/math">
                       <m:r>
-                        <a:rPr lang="en-US" altLang="zh-TW" b="0" i="1" smtClean="0">
+                        <a:rPr lang="en-US" altLang="zh-TW" sz="1441" i="1">
                           <a:latin typeface="Cambria Math" panose="02040503050406030204" pitchFamily="18" charset="0"/>
                         </a:rPr>
                         <m:t>𝜃</m:t>
                       </m:r>
                       <m:r>
-                        <a:rPr lang="en-US" altLang="zh-TW" b="0" i="1" smtClean="0">
+                        <a:rPr lang="en-US" altLang="zh-TW" sz="1441" i="1">
                           <a:latin typeface="Cambria Math" panose="02040503050406030204" pitchFamily="18" charset="0"/>
                         </a:rPr>
                         <m:t>=</m:t>
                       </m:r>
                       <m:r>
-                        <a:rPr lang="en-US" altLang="zh-TW" b="0" i="1" smtClean="0">
+                        <a:rPr lang="en-US" altLang="zh-TW" sz="1441" i="1">
                           <a:latin typeface="Cambria Math" panose="02040503050406030204" pitchFamily="18" charset="0"/>
                         </a:rPr>
                         <m:t>𝑐𝑒𝑖𝑙</m:t>
                       </m:r>
                       <m:r>
-                        <a:rPr lang="en-US" altLang="zh-TW" b="0" i="1" smtClean="0">
+                        <a:rPr lang="en-US" altLang="zh-TW" sz="1441" i="1">
                           <a:latin typeface="Cambria Math" panose="02040503050406030204" pitchFamily="18" charset="0"/>
                         </a:rPr>
                         <m:t>(</m:t>
@@ -4289,14 +4345,14 @@
                       <m:sSup>
                         <m:sSupPr>
                           <m:ctrlPr>
-                            <a:rPr lang="en-US" altLang="zh-TW" b="0" i="1" smtClean="0">
+                            <a:rPr lang="en-US" altLang="zh-TW" sz="1441" i="1">
                               <a:latin typeface="Cambria Math" panose="02040503050406030204" pitchFamily="18" charset="0"/>
                             </a:rPr>
                           </m:ctrlPr>
                         </m:sSupPr>
                         <m:e>
                           <m:r>
-                            <a:rPr lang="en-US" altLang="zh-TW" b="0" i="1" smtClean="0">
+                            <a:rPr lang="en-US" altLang="zh-TW" sz="1441" i="1">
                               <a:latin typeface="Cambria Math" panose="02040503050406030204" pitchFamily="18" charset="0"/>
                             </a:rPr>
                             <m:t>𝜃</m:t>
@@ -4304,7 +4360,7 @@
                         </m:e>
                         <m:sup>
                           <m:r>
-                            <a:rPr lang="en-US" altLang="zh-TW" b="0" i="1" smtClean="0">
+                            <a:rPr lang="en-US" altLang="zh-TW" sz="1441" i="1">
                               <a:latin typeface="Cambria Math" panose="02040503050406030204" pitchFamily="18" charset="0"/>
                             </a:rPr>
                             <m:t>′</m:t>
@@ -4312,7 +4368,7 @@
                         </m:sup>
                       </m:sSup>
                       <m:r>
-                        <a:rPr lang="en-US" altLang="zh-TW" b="0" i="1" smtClean="0">
+                        <a:rPr lang="en-US" altLang="zh-TW" sz="1441" i="1">
                           <a:latin typeface="Cambria Math" panose="02040503050406030204" pitchFamily="18" charset="0"/>
                         </a:rPr>
                         <m:t>)</m:t>
@@ -4320,12 +4376,12 @@
                     </m:oMath>
                   </m:oMathPara>
                 </a14:m>
-                <a:endParaRPr lang="zh-TW" altLang="en-US" dirty="0"/>
+                <a:endParaRPr lang="zh-TW" altLang="en-US" sz="1441" dirty="0"/>
               </a:p>
             </p:txBody>
           </p:sp>
         </mc:Choice>
-        <mc:Fallback>
+        <mc:Fallback xmlns="">
           <p:sp>
             <p:nvSpPr>
               <p:cNvPr id="19" name="矩形 18">
@@ -4342,8 +4398,8 @@
             </p:nvSpPr>
             <p:spPr>
               <a:xfrm>
-                <a:off x="6157953" y="1976583"/>
-                <a:ext cx="1632919" cy="1117600"/>
+                <a:off x="4307298" y="1242416"/>
+                <a:ext cx="1307579" cy="894931"/>
               </a:xfrm>
               <a:prstGeom prst="rect">
                 <a:avLst/>
@@ -4392,8 +4448,8 @@
         </p:nvCxnSpPr>
         <p:spPr>
           <a:xfrm flipV="1">
-            <a:off x="7790872" y="2535382"/>
-            <a:ext cx="678875" cy="1"/>
+            <a:off x="5614877" y="1689882"/>
+            <a:ext cx="543617" cy="1"/>
           </a:xfrm>
           <a:prstGeom prst="straightConnector1">
             <a:avLst/>
@@ -4436,7 +4492,7 @@
 <file path=ppt/theme/theme1.xml><?xml version="1.0" encoding="utf-8"?>
 <a:theme xmlns:a="http://schemas.openxmlformats.org/drawingml/2006/main" name="Office 佈景主題">
   <a:themeElements>
-    <a:clrScheme name="Office">
+    <a:clrScheme name="Office 佈景主題">
       <a:dk1>
         <a:sysClr val="windowText" lastClr="000000"/>
       </a:dk1>
@@ -4474,7 +4530,7 @@
         <a:srgbClr val="96607D"/>
       </a:folHlink>
     </a:clrScheme>
-    <a:fontScheme name="Office">
+    <a:fontScheme name="Office 佈景主題">
       <a:majorFont>
         <a:latin typeface="Aptos Display" panose="02110004020202020204"/>
         <a:ea typeface=""/>
@@ -4580,7 +4636,7 @@
         <a:font script="Tfng" typeface="Ebrima"/>
       </a:minorFont>
     </a:fontScheme>
-    <a:fmtScheme name="Office">
+    <a:fmtScheme name="Office 佈景主題">
       <a:fillStyleLst>
         <a:solidFill>
           <a:schemeClr val="phClr"/>
